--- a/presentation.pptx
+++ b/presentation.pptx
@@ -1,12 +1,16 @@
 
 <file path=ppt/presentation.xml><?xml version="1.0" encoding="utf-8"?>
-<p:presentation xmlns:a="http://schemas.openxmlformats.org/drawingml/2006/main" xmlns:r="http://schemas.openxmlformats.org/officeDocument/2006/relationships" xmlns:p="http://schemas.openxmlformats.org/presentationml/2006/main" saveSubsetFonts="1">
+<p:presentation xmlns:a="http://schemas.openxmlformats.org/drawingml/2006/main" xmlns:r="http://schemas.openxmlformats.org/officeDocument/2006/relationships" xmlns:p="http://schemas.openxmlformats.org/presentationml/2006/main" saveSubsetFonts="1" autoCompressPictures="0">
   <p:sldMasterIdLst>
     <p:sldMasterId id="2147483648" r:id="rId1"/>
   </p:sldMasterIdLst>
   <p:sldIdLst>
     <p:sldId id="256" r:id="rId2"/>
     <p:sldId id="257" r:id="rId3"/>
+    <p:sldId id="258" r:id="rId4"/>
+    <p:sldId id="259" r:id="rId5"/>
+    <p:sldId id="260" r:id="rId6"/>
+    <p:sldId id="261" r:id="rId7"/>
   </p:sldIdLst>
   <p:sldSz cx="12192000" cy="6858000"/>
   <p:notesSz cx="6858000" cy="9144000"/>
@@ -110,7 +114,7 @@
 
 <file path=ppt/slideLayouts/slideLayout1.xml><?xml version="1.0" encoding="utf-8"?>
 <p:sldLayout xmlns:a="http://schemas.openxmlformats.org/drawingml/2006/main" xmlns:r="http://schemas.openxmlformats.org/officeDocument/2006/relationships" xmlns:p="http://schemas.openxmlformats.org/presentationml/2006/main" type="title" preserve="1">
-  <p:cSld name="Title Slide">
+  <p:cSld name="Титульный слайд">
     <p:spTree>
       <p:nvGrpSpPr>
         <p:cNvPr id="1" name=""/>
@@ -127,10 +131,10 @@
       </p:grpSpPr>
       <p:sp>
         <p:nvSpPr>
-          <p:cNvPr id="2" name="Title 1">
-            <a:extLst>
-              <a:ext uri="{FF2B5EF4-FFF2-40B4-BE49-F238E27FC236}">
-                <a16:creationId xmlns:a16="http://schemas.microsoft.com/office/drawing/2014/main" id="{A4F64419-1E1C-49B8-8F6D-55C74D2994E1}"/>
+          <p:cNvPr id="2" name="Заголовок 1">
+            <a:extLst>
+              <a:ext uri="{FF2B5EF4-FFF2-40B4-BE49-F238E27FC236}">
+                <a16:creationId xmlns:a16="http://schemas.microsoft.com/office/drawing/2014/main" id="{70F53B6C-8F63-C785-8806-83D7B77D9179}"/>
               </a:ext>
             </a:extLst>
           </p:cNvPr>
@@ -156,19 +160,18 @@
           </a:lstStyle>
           <a:p>
             <a:r>
-              <a:rPr lang="en-US"/>
-              <a:t>Click to edit Master title style</a:t>
-            </a:r>
-            <a:endParaRPr lang="ru-RU"/>
-          </a:p>
-        </p:txBody>
-      </p:sp>
-      <p:sp>
-        <p:nvSpPr>
-          <p:cNvPr id="3" name="Subtitle 2">
-            <a:extLst>
-              <a:ext uri="{FF2B5EF4-FFF2-40B4-BE49-F238E27FC236}">
-                <a16:creationId xmlns:a16="http://schemas.microsoft.com/office/drawing/2014/main" id="{6AC4F1D4-4363-453C-B3A9-1299D73520FD}"/>
+              <a:rPr lang="ru-RU"/>
+              <a:t>Образец заголовка</a:t>
+            </a:r>
+          </a:p>
+        </p:txBody>
+      </p:sp>
+      <p:sp>
+        <p:nvSpPr>
+          <p:cNvPr id="3" name="Подзаголовок 2">
+            <a:extLst>
+              <a:ext uri="{FF2B5EF4-FFF2-40B4-BE49-F238E27FC236}">
+                <a16:creationId xmlns:a16="http://schemas.microsoft.com/office/drawing/2014/main" id="{D495119C-2343-5404-E558-EDB49A29E06F}"/>
               </a:ext>
             </a:extLst>
           </p:cNvPr>
@@ -227,19 +230,18 @@
           </a:lstStyle>
           <a:p>
             <a:r>
-              <a:rPr lang="en-US"/>
-              <a:t>Click to edit Master subtitle style</a:t>
-            </a:r>
-            <a:endParaRPr lang="ru-RU"/>
-          </a:p>
-        </p:txBody>
-      </p:sp>
-      <p:sp>
-        <p:nvSpPr>
-          <p:cNvPr id="4" name="Date Placeholder 3">
-            <a:extLst>
-              <a:ext uri="{FF2B5EF4-FFF2-40B4-BE49-F238E27FC236}">
-                <a16:creationId xmlns:a16="http://schemas.microsoft.com/office/drawing/2014/main" id="{EB468321-8758-4E4E-A9A4-0642C440B335}"/>
+              <a:rPr lang="ru-RU"/>
+              <a:t>Образец подзаголовка</a:t>
+            </a:r>
+          </a:p>
+        </p:txBody>
+      </p:sp>
+      <p:sp>
+        <p:nvSpPr>
+          <p:cNvPr id="4" name="Дата 3">
+            <a:extLst>
+              <a:ext uri="{FF2B5EF4-FFF2-40B4-BE49-F238E27FC236}">
+                <a16:creationId xmlns:a16="http://schemas.microsoft.com/office/drawing/2014/main" id="{3A20E305-BD5A-9418-5492-A95816502BB5}"/>
               </a:ext>
             </a:extLst>
           </p:cNvPr>
@@ -255,9 +257,9 @@
           <a:bodyPr/>
           <a:lstStyle/>
           <a:p>
-            <a:fld id="{383AE468-257F-49B4-B662-2CCFF613538A}" type="datetimeFigureOut">
+            <a:fld id="{B04E5AB3-E7D1-F043-AF0F-9CB2CB2DDE52}" type="datetimeFigureOut">
               <a:rPr lang="ru-RU" smtClean="0"/>
-              <a:t>18.05.2018</a:t>
+              <a:t>10.06.2025</a:t>
             </a:fld>
             <a:endParaRPr lang="ru-RU"/>
           </a:p>
@@ -265,10 +267,10 @@
       </p:sp>
       <p:sp>
         <p:nvSpPr>
-          <p:cNvPr id="5" name="Footer Placeholder 4">
-            <a:extLst>
-              <a:ext uri="{FF2B5EF4-FFF2-40B4-BE49-F238E27FC236}">
-                <a16:creationId xmlns:a16="http://schemas.microsoft.com/office/drawing/2014/main" id="{B9547425-A029-483A-B6D2-4D4D637DA238}"/>
+          <p:cNvPr id="5" name="Нижний колонтитул 4">
+            <a:extLst>
+              <a:ext uri="{FF2B5EF4-FFF2-40B4-BE49-F238E27FC236}">
+                <a16:creationId xmlns:a16="http://schemas.microsoft.com/office/drawing/2014/main" id="{4B1930FD-91DA-629F-6060-C168BBAAB424}"/>
               </a:ext>
             </a:extLst>
           </p:cNvPr>
@@ -290,10 +292,10 @@
       </p:sp>
       <p:sp>
         <p:nvSpPr>
-          <p:cNvPr id="6" name="Slide Number Placeholder 5">
-            <a:extLst>
-              <a:ext uri="{FF2B5EF4-FFF2-40B4-BE49-F238E27FC236}">
-                <a16:creationId xmlns:a16="http://schemas.microsoft.com/office/drawing/2014/main" id="{95F511AB-3A8C-4168-A671-3F154AC6BB08}"/>
+          <p:cNvPr id="6" name="Номер слайда 5">
+            <a:extLst>
+              <a:ext uri="{FF2B5EF4-FFF2-40B4-BE49-F238E27FC236}">
+                <a16:creationId xmlns:a16="http://schemas.microsoft.com/office/drawing/2014/main" id="{9A6EC2A8-F80B-E644-2A13-6643A5B8F6F5}"/>
               </a:ext>
             </a:extLst>
           </p:cNvPr>
@@ -309,7 +311,7 @@
           <a:bodyPr/>
           <a:lstStyle/>
           <a:p>
-            <a:fld id="{362894A7-704C-45E2-A6FE-7CBA176804A0}" type="slidenum">
+            <a:fld id="{F64DDBE7-A079-264A-A256-4D63F3E2258C}" type="slidenum">
               <a:rPr lang="ru-RU" smtClean="0"/>
               <a:t>‹#›</a:t>
             </a:fld>
@@ -320,7 +322,7 @@
     </p:spTree>
     <p:extLst>
       <p:ext uri="{BB962C8B-B14F-4D97-AF65-F5344CB8AC3E}">
-        <p14:creationId xmlns:p14="http://schemas.microsoft.com/office/powerpoint/2010/main" val="3681174372"/>
+        <p14:creationId xmlns:p14="http://schemas.microsoft.com/office/powerpoint/2010/main" val="1403863972"/>
       </p:ext>
     </p:extLst>
   </p:cSld>
@@ -332,7 +334,7 @@
 
 <file path=ppt/slideLayouts/slideLayout10.xml><?xml version="1.0" encoding="utf-8"?>
 <p:sldLayout xmlns:a="http://schemas.openxmlformats.org/drawingml/2006/main" xmlns:r="http://schemas.openxmlformats.org/officeDocument/2006/relationships" xmlns:p="http://schemas.openxmlformats.org/presentationml/2006/main" type="vertTx" preserve="1">
-  <p:cSld name="Title and Vertical Text">
+  <p:cSld name="Заголовок и вертикальный текст">
     <p:spTree>
       <p:nvGrpSpPr>
         <p:cNvPr id="1" name=""/>
@@ -349,10 +351,10 @@
       </p:grpSpPr>
       <p:sp>
         <p:nvSpPr>
-          <p:cNvPr id="2" name="Title 1">
-            <a:extLst>
-              <a:ext uri="{FF2B5EF4-FFF2-40B4-BE49-F238E27FC236}">
-                <a16:creationId xmlns:a16="http://schemas.microsoft.com/office/drawing/2014/main" id="{A6270B0B-266B-4A41-A8EC-AC3511AAC0E3}"/>
+          <p:cNvPr id="2" name="Заголовок 1">
+            <a:extLst>
+              <a:ext uri="{FF2B5EF4-FFF2-40B4-BE49-F238E27FC236}">
+                <a16:creationId xmlns:a16="http://schemas.microsoft.com/office/drawing/2014/main" id="{F63F6EFD-E71B-5B44-7CAF-2E77A088674A}"/>
               </a:ext>
             </a:extLst>
           </p:cNvPr>
@@ -369,19 +371,18 @@
           <a:lstStyle/>
           <a:p>
             <a:r>
-              <a:rPr lang="en-US"/>
-              <a:t>Click to edit Master title style</a:t>
-            </a:r>
-            <a:endParaRPr lang="ru-RU"/>
-          </a:p>
-        </p:txBody>
-      </p:sp>
-      <p:sp>
-        <p:nvSpPr>
-          <p:cNvPr id="3" name="Vertical Text Placeholder 2">
-            <a:extLst>
-              <a:ext uri="{FF2B5EF4-FFF2-40B4-BE49-F238E27FC236}">
-                <a16:creationId xmlns:a16="http://schemas.microsoft.com/office/drawing/2014/main" id="{B8E5BDA8-3059-438E-8004-979F750F3E88}"/>
+              <a:rPr lang="ru-RU"/>
+              <a:t>Образец заголовка</a:t>
+            </a:r>
+          </a:p>
+        </p:txBody>
+      </p:sp>
+      <p:sp>
+        <p:nvSpPr>
+          <p:cNvPr id="3" name="Вертикальный текст 2">
+            <a:extLst>
+              <a:ext uri="{FF2B5EF4-FFF2-40B4-BE49-F238E27FC236}">
+                <a16:creationId xmlns:a16="http://schemas.microsoft.com/office/drawing/2014/main" id="{D2F02329-3463-E51A-3042-57EB3BE4A5AD}"/>
               </a:ext>
             </a:extLst>
           </p:cNvPr>
@@ -399,47 +400,46 @@
           <a:p>
             <a:pPr lvl="0"/>
             <a:r>
-              <a:rPr lang="en-US"/>
-              <a:t>Edit Master text styles</a:t>
+              <a:rPr lang="ru-RU"/>
+              <a:t>Образец текста</a:t>
             </a:r>
           </a:p>
           <a:p>
             <a:pPr lvl="1"/>
             <a:r>
-              <a:rPr lang="en-US"/>
-              <a:t>Second level</a:t>
+              <a:rPr lang="ru-RU"/>
+              <a:t>Второй уровень</a:t>
             </a:r>
           </a:p>
           <a:p>
             <a:pPr lvl="2"/>
             <a:r>
-              <a:rPr lang="en-US"/>
-              <a:t>Third level</a:t>
+              <a:rPr lang="ru-RU"/>
+              <a:t>Третий уровень</a:t>
             </a:r>
           </a:p>
           <a:p>
             <a:pPr lvl="3"/>
             <a:r>
-              <a:rPr lang="en-US"/>
-              <a:t>Fourth level</a:t>
+              <a:rPr lang="ru-RU"/>
+              <a:t>Четвертый уровень</a:t>
             </a:r>
           </a:p>
           <a:p>
             <a:pPr lvl="4"/>
             <a:r>
-              <a:rPr lang="en-US"/>
-              <a:t>Fifth level</a:t>
-            </a:r>
-            <a:endParaRPr lang="ru-RU"/>
-          </a:p>
-        </p:txBody>
-      </p:sp>
-      <p:sp>
-        <p:nvSpPr>
-          <p:cNvPr id="4" name="Date Placeholder 3">
-            <a:extLst>
-              <a:ext uri="{FF2B5EF4-FFF2-40B4-BE49-F238E27FC236}">
-                <a16:creationId xmlns:a16="http://schemas.microsoft.com/office/drawing/2014/main" id="{20A347E3-E234-4631-AF82-BC0EB27CAC6E}"/>
+              <a:rPr lang="ru-RU"/>
+              <a:t>Пятый уровень</a:t>
+            </a:r>
+          </a:p>
+        </p:txBody>
+      </p:sp>
+      <p:sp>
+        <p:nvSpPr>
+          <p:cNvPr id="4" name="Дата 3">
+            <a:extLst>
+              <a:ext uri="{FF2B5EF4-FFF2-40B4-BE49-F238E27FC236}">
+                <a16:creationId xmlns:a16="http://schemas.microsoft.com/office/drawing/2014/main" id="{FD8F62B5-057E-091D-10BA-1AB158F37D9F}"/>
               </a:ext>
             </a:extLst>
           </p:cNvPr>
@@ -455,9 +455,9 @@
           <a:bodyPr/>
           <a:lstStyle/>
           <a:p>
-            <a:fld id="{383AE468-257F-49B4-B662-2CCFF613538A}" type="datetimeFigureOut">
+            <a:fld id="{B04E5AB3-E7D1-F043-AF0F-9CB2CB2DDE52}" type="datetimeFigureOut">
               <a:rPr lang="ru-RU" smtClean="0"/>
-              <a:t>18.05.2018</a:t>
+              <a:t>10.06.2025</a:t>
             </a:fld>
             <a:endParaRPr lang="ru-RU"/>
           </a:p>
@@ -465,10 +465,10 @@
       </p:sp>
       <p:sp>
         <p:nvSpPr>
-          <p:cNvPr id="5" name="Footer Placeholder 4">
-            <a:extLst>
-              <a:ext uri="{FF2B5EF4-FFF2-40B4-BE49-F238E27FC236}">
-                <a16:creationId xmlns:a16="http://schemas.microsoft.com/office/drawing/2014/main" id="{D5BE669F-D5E1-430E-84F2-5AFF7C89E31B}"/>
+          <p:cNvPr id="5" name="Нижний колонтитул 4">
+            <a:extLst>
+              <a:ext uri="{FF2B5EF4-FFF2-40B4-BE49-F238E27FC236}">
+                <a16:creationId xmlns:a16="http://schemas.microsoft.com/office/drawing/2014/main" id="{75CFA75B-C3F7-CBA7-DF10-8FC1E23BC6A9}"/>
               </a:ext>
             </a:extLst>
           </p:cNvPr>
@@ -490,10 +490,10 @@
       </p:sp>
       <p:sp>
         <p:nvSpPr>
-          <p:cNvPr id="6" name="Slide Number Placeholder 5">
-            <a:extLst>
-              <a:ext uri="{FF2B5EF4-FFF2-40B4-BE49-F238E27FC236}">
-                <a16:creationId xmlns:a16="http://schemas.microsoft.com/office/drawing/2014/main" id="{C40811EA-9EB9-4935-A730-537FB8888F87}"/>
+          <p:cNvPr id="6" name="Номер слайда 5">
+            <a:extLst>
+              <a:ext uri="{FF2B5EF4-FFF2-40B4-BE49-F238E27FC236}">
+                <a16:creationId xmlns:a16="http://schemas.microsoft.com/office/drawing/2014/main" id="{347B3CFB-05C7-3D22-3B6C-CE33CBCF0374}"/>
               </a:ext>
             </a:extLst>
           </p:cNvPr>
@@ -509,7 +509,7 @@
           <a:bodyPr/>
           <a:lstStyle/>
           <a:p>
-            <a:fld id="{362894A7-704C-45E2-A6FE-7CBA176804A0}" type="slidenum">
+            <a:fld id="{F64DDBE7-A079-264A-A256-4D63F3E2258C}" type="slidenum">
               <a:rPr lang="ru-RU" smtClean="0"/>
               <a:t>‹#›</a:t>
             </a:fld>
@@ -520,7 +520,7 @@
     </p:spTree>
     <p:extLst>
       <p:ext uri="{BB962C8B-B14F-4D97-AF65-F5344CB8AC3E}">
-        <p14:creationId xmlns:p14="http://schemas.microsoft.com/office/powerpoint/2010/main" val="1975067700"/>
+        <p14:creationId xmlns:p14="http://schemas.microsoft.com/office/powerpoint/2010/main" val="1200193386"/>
       </p:ext>
     </p:extLst>
   </p:cSld>
@@ -532,7 +532,7 @@
 
 <file path=ppt/slideLayouts/slideLayout11.xml><?xml version="1.0" encoding="utf-8"?>
 <p:sldLayout xmlns:a="http://schemas.openxmlformats.org/drawingml/2006/main" xmlns:r="http://schemas.openxmlformats.org/officeDocument/2006/relationships" xmlns:p="http://schemas.openxmlformats.org/presentationml/2006/main" type="vertTitleAndTx" preserve="1">
-  <p:cSld name="Vertical Title and Text">
+  <p:cSld name="Вертикальный заголовок и текст">
     <p:spTree>
       <p:nvGrpSpPr>
         <p:cNvPr id="1" name=""/>
@@ -549,10 +549,10 @@
       </p:grpSpPr>
       <p:sp>
         <p:nvSpPr>
-          <p:cNvPr id="2" name="Vertical Title 1">
-            <a:extLst>
-              <a:ext uri="{FF2B5EF4-FFF2-40B4-BE49-F238E27FC236}">
-                <a16:creationId xmlns:a16="http://schemas.microsoft.com/office/drawing/2014/main" id="{CDFB7478-9341-48E1-B004-C3B309E34B1D}"/>
+          <p:cNvPr id="2" name="Вертикальный заголовок 1">
+            <a:extLst>
+              <a:ext uri="{FF2B5EF4-FFF2-40B4-BE49-F238E27FC236}">
+                <a16:creationId xmlns:a16="http://schemas.microsoft.com/office/drawing/2014/main" id="{1F674130-3FA7-029D-DBD4-F88AEB30327C}"/>
               </a:ext>
             </a:extLst>
           </p:cNvPr>
@@ -574,19 +574,18 @@
           <a:lstStyle/>
           <a:p>
             <a:r>
-              <a:rPr lang="en-US"/>
-              <a:t>Click to edit Master title style</a:t>
-            </a:r>
-            <a:endParaRPr lang="ru-RU"/>
-          </a:p>
-        </p:txBody>
-      </p:sp>
-      <p:sp>
-        <p:nvSpPr>
-          <p:cNvPr id="3" name="Vertical Text Placeholder 2">
-            <a:extLst>
-              <a:ext uri="{FF2B5EF4-FFF2-40B4-BE49-F238E27FC236}">
-                <a16:creationId xmlns:a16="http://schemas.microsoft.com/office/drawing/2014/main" id="{EB58F802-5E1F-4924-B172-9AF62AE3A976}"/>
+              <a:rPr lang="ru-RU"/>
+              <a:t>Образец заголовка</a:t>
+            </a:r>
+          </a:p>
+        </p:txBody>
+      </p:sp>
+      <p:sp>
+        <p:nvSpPr>
+          <p:cNvPr id="3" name="Вертикальный текст 2">
+            <a:extLst>
+              <a:ext uri="{FF2B5EF4-FFF2-40B4-BE49-F238E27FC236}">
+                <a16:creationId xmlns:a16="http://schemas.microsoft.com/office/drawing/2014/main" id="{4E81FC51-2E10-70B4-E0AE-047138842867}"/>
               </a:ext>
             </a:extLst>
           </p:cNvPr>
@@ -609,47 +608,46 @@
           <a:p>
             <a:pPr lvl="0"/>
             <a:r>
-              <a:rPr lang="en-US"/>
-              <a:t>Edit Master text styles</a:t>
+              <a:rPr lang="ru-RU"/>
+              <a:t>Образец текста</a:t>
             </a:r>
           </a:p>
           <a:p>
             <a:pPr lvl="1"/>
             <a:r>
-              <a:rPr lang="en-US"/>
-              <a:t>Second level</a:t>
+              <a:rPr lang="ru-RU"/>
+              <a:t>Второй уровень</a:t>
             </a:r>
           </a:p>
           <a:p>
             <a:pPr lvl="2"/>
             <a:r>
-              <a:rPr lang="en-US"/>
-              <a:t>Third level</a:t>
+              <a:rPr lang="ru-RU"/>
+              <a:t>Третий уровень</a:t>
             </a:r>
           </a:p>
           <a:p>
             <a:pPr lvl="3"/>
             <a:r>
-              <a:rPr lang="en-US"/>
-              <a:t>Fourth level</a:t>
+              <a:rPr lang="ru-RU"/>
+              <a:t>Четвертый уровень</a:t>
             </a:r>
           </a:p>
           <a:p>
             <a:pPr lvl="4"/>
             <a:r>
-              <a:rPr lang="en-US"/>
-              <a:t>Fifth level</a:t>
-            </a:r>
-            <a:endParaRPr lang="ru-RU"/>
-          </a:p>
-        </p:txBody>
-      </p:sp>
-      <p:sp>
-        <p:nvSpPr>
-          <p:cNvPr id="4" name="Date Placeholder 3">
-            <a:extLst>
-              <a:ext uri="{FF2B5EF4-FFF2-40B4-BE49-F238E27FC236}">
-                <a16:creationId xmlns:a16="http://schemas.microsoft.com/office/drawing/2014/main" id="{8E7ED3CC-12A3-47C5-BB49-EED6B2F2CDC6}"/>
+              <a:rPr lang="ru-RU"/>
+              <a:t>Пятый уровень</a:t>
+            </a:r>
+          </a:p>
+        </p:txBody>
+      </p:sp>
+      <p:sp>
+        <p:nvSpPr>
+          <p:cNvPr id="4" name="Дата 3">
+            <a:extLst>
+              <a:ext uri="{FF2B5EF4-FFF2-40B4-BE49-F238E27FC236}">
+                <a16:creationId xmlns:a16="http://schemas.microsoft.com/office/drawing/2014/main" id="{12231B51-BFA2-4CCC-05E1-D4D9828103BB}"/>
               </a:ext>
             </a:extLst>
           </p:cNvPr>
@@ -665,9 +663,9 @@
           <a:bodyPr/>
           <a:lstStyle/>
           <a:p>
-            <a:fld id="{383AE468-257F-49B4-B662-2CCFF613538A}" type="datetimeFigureOut">
+            <a:fld id="{B04E5AB3-E7D1-F043-AF0F-9CB2CB2DDE52}" type="datetimeFigureOut">
               <a:rPr lang="ru-RU" smtClean="0"/>
-              <a:t>18.05.2018</a:t>
+              <a:t>10.06.2025</a:t>
             </a:fld>
             <a:endParaRPr lang="ru-RU"/>
           </a:p>
@@ -675,10 +673,10 @@
       </p:sp>
       <p:sp>
         <p:nvSpPr>
-          <p:cNvPr id="5" name="Footer Placeholder 4">
-            <a:extLst>
-              <a:ext uri="{FF2B5EF4-FFF2-40B4-BE49-F238E27FC236}">
-                <a16:creationId xmlns:a16="http://schemas.microsoft.com/office/drawing/2014/main" id="{70F23C23-C31A-4224-B7CD-84C563BE9D88}"/>
+          <p:cNvPr id="5" name="Нижний колонтитул 4">
+            <a:extLst>
+              <a:ext uri="{FF2B5EF4-FFF2-40B4-BE49-F238E27FC236}">
+                <a16:creationId xmlns:a16="http://schemas.microsoft.com/office/drawing/2014/main" id="{14B7C67D-B5C0-4C36-FD77-0DC4368EB135}"/>
               </a:ext>
             </a:extLst>
           </p:cNvPr>
@@ -700,10 +698,10 @@
       </p:sp>
       <p:sp>
         <p:nvSpPr>
-          <p:cNvPr id="6" name="Slide Number Placeholder 5">
-            <a:extLst>
-              <a:ext uri="{FF2B5EF4-FFF2-40B4-BE49-F238E27FC236}">
-                <a16:creationId xmlns:a16="http://schemas.microsoft.com/office/drawing/2014/main" id="{E9CF1113-95CC-49D3-80E5-87BC5522C87D}"/>
+          <p:cNvPr id="6" name="Номер слайда 5">
+            <a:extLst>
+              <a:ext uri="{FF2B5EF4-FFF2-40B4-BE49-F238E27FC236}">
+                <a16:creationId xmlns:a16="http://schemas.microsoft.com/office/drawing/2014/main" id="{BC8657E7-039A-EA1A-7830-913FD7BCA663}"/>
               </a:ext>
             </a:extLst>
           </p:cNvPr>
@@ -719,7 +717,7 @@
           <a:bodyPr/>
           <a:lstStyle/>
           <a:p>
-            <a:fld id="{362894A7-704C-45E2-A6FE-7CBA176804A0}" type="slidenum">
+            <a:fld id="{F64DDBE7-A079-264A-A256-4D63F3E2258C}" type="slidenum">
               <a:rPr lang="ru-RU" smtClean="0"/>
               <a:t>‹#›</a:t>
             </a:fld>
@@ -730,7 +728,7 @@
     </p:spTree>
     <p:extLst>
       <p:ext uri="{BB962C8B-B14F-4D97-AF65-F5344CB8AC3E}">
-        <p14:creationId xmlns:p14="http://schemas.microsoft.com/office/powerpoint/2010/main" val="2399451693"/>
+        <p14:creationId xmlns:p14="http://schemas.microsoft.com/office/powerpoint/2010/main" val="3980867274"/>
       </p:ext>
     </p:extLst>
   </p:cSld>
@@ -742,7 +740,7 @@
 
 <file path=ppt/slideLayouts/slideLayout2.xml><?xml version="1.0" encoding="utf-8"?>
 <p:sldLayout xmlns:a="http://schemas.openxmlformats.org/drawingml/2006/main" xmlns:r="http://schemas.openxmlformats.org/officeDocument/2006/relationships" xmlns:p="http://schemas.openxmlformats.org/presentationml/2006/main" type="obj" preserve="1">
-  <p:cSld name="Title and Content">
+  <p:cSld name="Заголовок и объект">
     <p:spTree>
       <p:nvGrpSpPr>
         <p:cNvPr id="1" name=""/>
@@ -759,10 +757,10 @@
       </p:grpSpPr>
       <p:sp>
         <p:nvSpPr>
-          <p:cNvPr id="2" name="Title 1">
-            <a:extLst>
-              <a:ext uri="{FF2B5EF4-FFF2-40B4-BE49-F238E27FC236}">
-                <a16:creationId xmlns:a16="http://schemas.microsoft.com/office/drawing/2014/main" id="{7CCD1D7E-0B37-495D-B8EA-18DE1E54B3F1}"/>
+          <p:cNvPr id="2" name="Заголовок 1">
+            <a:extLst>
+              <a:ext uri="{FF2B5EF4-FFF2-40B4-BE49-F238E27FC236}">
+                <a16:creationId xmlns:a16="http://schemas.microsoft.com/office/drawing/2014/main" id="{0230C64D-3B72-3799-3426-2ACD88608E9C}"/>
               </a:ext>
             </a:extLst>
           </p:cNvPr>
@@ -779,19 +777,18 @@
           <a:lstStyle/>
           <a:p>
             <a:r>
-              <a:rPr lang="en-US"/>
-              <a:t>Click to edit Master title style</a:t>
-            </a:r>
-            <a:endParaRPr lang="ru-RU"/>
-          </a:p>
-        </p:txBody>
-      </p:sp>
-      <p:sp>
-        <p:nvSpPr>
-          <p:cNvPr id="3" name="Content Placeholder 2">
-            <a:extLst>
-              <a:ext uri="{FF2B5EF4-FFF2-40B4-BE49-F238E27FC236}">
-                <a16:creationId xmlns:a16="http://schemas.microsoft.com/office/drawing/2014/main" id="{46541734-E220-4FA6-880B-6250CE138495}"/>
+              <a:rPr lang="ru-RU"/>
+              <a:t>Образец заголовка</a:t>
+            </a:r>
+          </a:p>
+        </p:txBody>
+      </p:sp>
+      <p:sp>
+        <p:nvSpPr>
+          <p:cNvPr id="3" name="Объект 2">
+            <a:extLst>
+              <a:ext uri="{FF2B5EF4-FFF2-40B4-BE49-F238E27FC236}">
+                <a16:creationId xmlns:a16="http://schemas.microsoft.com/office/drawing/2014/main" id="{F306ED5A-C2BC-BC22-D66D-6CA8CE215A4A}"/>
               </a:ext>
             </a:extLst>
           </p:cNvPr>
@@ -809,47 +806,46 @@
           <a:p>
             <a:pPr lvl="0"/>
             <a:r>
-              <a:rPr lang="en-US"/>
-              <a:t>Edit Master text styles</a:t>
+              <a:rPr lang="ru-RU"/>
+              <a:t>Образец текста</a:t>
             </a:r>
           </a:p>
           <a:p>
             <a:pPr lvl="1"/>
             <a:r>
-              <a:rPr lang="en-US"/>
-              <a:t>Second level</a:t>
+              <a:rPr lang="ru-RU"/>
+              <a:t>Второй уровень</a:t>
             </a:r>
           </a:p>
           <a:p>
             <a:pPr lvl="2"/>
             <a:r>
-              <a:rPr lang="en-US"/>
-              <a:t>Third level</a:t>
+              <a:rPr lang="ru-RU"/>
+              <a:t>Третий уровень</a:t>
             </a:r>
           </a:p>
           <a:p>
             <a:pPr lvl="3"/>
             <a:r>
-              <a:rPr lang="en-US"/>
-              <a:t>Fourth level</a:t>
+              <a:rPr lang="ru-RU"/>
+              <a:t>Четвертый уровень</a:t>
             </a:r>
           </a:p>
           <a:p>
             <a:pPr lvl="4"/>
             <a:r>
-              <a:rPr lang="en-US"/>
-              <a:t>Fifth level</a:t>
-            </a:r>
-            <a:endParaRPr lang="ru-RU"/>
-          </a:p>
-        </p:txBody>
-      </p:sp>
-      <p:sp>
-        <p:nvSpPr>
-          <p:cNvPr id="4" name="Date Placeholder 3">
-            <a:extLst>
-              <a:ext uri="{FF2B5EF4-FFF2-40B4-BE49-F238E27FC236}">
-                <a16:creationId xmlns:a16="http://schemas.microsoft.com/office/drawing/2014/main" id="{04F265C3-567E-4C37-B549-9AA4E3E12CAB}"/>
+              <a:rPr lang="ru-RU"/>
+              <a:t>Пятый уровень</a:t>
+            </a:r>
+          </a:p>
+        </p:txBody>
+      </p:sp>
+      <p:sp>
+        <p:nvSpPr>
+          <p:cNvPr id="4" name="Дата 3">
+            <a:extLst>
+              <a:ext uri="{FF2B5EF4-FFF2-40B4-BE49-F238E27FC236}">
+                <a16:creationId xmlns:a16="http://schemas.microsoft.com/office/drawing/2014/main" id="{82135922-D69F-324E-2621-9C38A26178A3}"/>
               </a:ext>
             </a:extLst>
           </p:cNvPr>
@@ -865,9 +861,9 @@
           <a:bodyPr/>
           <a:lstStyle/>
           <a:p>
-            <a:fld id="{383AE468-257F-49B4-B662-2CCFF613538A}" type="datetimeFigureOut">
+            <a:fld id="{B04E5AB3-E7D1-F043-AF0F-9CB2CB2DDE52}" type="datetimeFigureOut">
               <a:rPr lang="ru-RU" smtClean="0"/>
-              <a:t>18.05.2018</a:t>
+              <a:t>10.06.2025</a:t>
             </a:fld>
             <a:endParaRPr lang="ru-RU"/>
           </a:p>
@@ -875,10 +871,10 @@
       </p:sp>
       <p:sp>
         <p:nvSpPr>
-          <p:cNvPr id="5" name="Footer Placeholder 4">
-            <a:extLst>
-              <a:ext uri="{FF2B5EF4-FFF2-40B4-BE49-F238E27FC236}">
-                <a16:creationId xmlns:a16="http://schemas.microsoft.com/office/drawing/2014/main" id="{84AC58DE-1B4F-4245-B76E-038EDD2277A8}"/>
+          <p:cNvPr id="5" name="Нижний колонтитул 4">
+            <a:extLst>
+              <a:ext uri="{FF2B5EF4-FFF2-40B4-BE49-F238E27FC236}">
+                <a16:creationId xmlns:a16="http://schemas.microsoft.com/office/drawing/2014/main" id="{00727BBE-5FDF-7C44-62B0-928EEC0602E2}"/>
               </a:ext>
             </a:extLst>
           </p:cNvPr>
@@ -900,10 +896,10 @@
       </p:sp>
       <p:sp>
         <p:nvSpPr>
-          <p:cNvPr id="6" name="Slide Number Placeholder 5">
-            <a:extLst>
-              <a:ext uri="{FF2B5EF4-FFF2-40B4-BE49-F238E27FC236}">
-                <a16:creationId xmlns:a16="http://schemas.microsoft.com/office/drawing/2014/main" id="{04134217-7899-4411-9799-3786814AB819}"/>
+          <p:cNvPr id="6" name="Номер слайда 5">
+            <a:extLst>
+              <a:ext uri="{FF2B5EF4-FFF2-40B4-BE49-F238E27FC236}">
+                <a16:creationId xmlns:a16="http://schemas.microsoft.com/office/drawing/2014/main" id="{0C03866C-6DFA-D748-C9C9-7DBF986B2540}"/>
               </a:ext>
             </a:extLst>
           </p:cNvPr>
@@ -919,7 +915,7 @@
           <a:bodyPr/>
           <a:lstStyle/>
           <a:p>
-            <a:fld id="{362894A7-704C-45E2-A6FE-7CBA176804A0}" type="slidenum">
+            <a:fld id="{F64DDBE7-A079-264A-A256-4D63F3E2258C}" type="slidenum">
               <a:rPr lang="ru-RU" smtClean="0"/>
               <a:t>‹#›</a:t>
             </a:fld>
@@ -930,7 +926,7 @@
     </p:spTree>
     <p:extLst>
       <p:ext uri="{BB962C8B-B14F-4D97-AF65-F5344CB8AC3E}">
-        <p14:creationId xmlns:p14="http://schemas.microsoft.com/office/powerpoint/2010/main" val="4047552048"/>
+        <p14:creationId xmlns:p14="http://schemas.microsoft.com/office/powerpoint/2010/main" val="1886304131"/>
       </p:ext>
     </p:extLst>
   </p:cSld>
@@ -942,7 +938,7 @@
 
 <file path=ppt/slideLayouts/slideLayout3.xml><?xml version="1.0" encoding="utf-8"?>
 <p:sldLayout xmlns:a="http://schemas.openxmlformats.org/drawingml/2006/main" xmlns:r="http://schemas.openxmlformats.org/officeDocument/2006/relationships" xmlns:p="http://schemas.openxmlformats.org/presentationml/2006/main" type="secHead" preserve="1">
-  <p:cSld name="Section Header">
+  <p:cSld name="Заголовок раздела">
     <p:spTree>
       <p:nvGrpSpPr>
         <p:cNvPr id="1" name=""/>
@@ -959,10 +955,10 @@
       </p:grpSpPr>
       <p:sp>
         <p:nvSpPr>
-          <p:cNvPr id="2" name="Title 1">
-            <a:extLst>
-              <a:ext uri="{FF2B5EF4-FFF2-40B4-BE49-F238E27FC236}">
-                <a16:creationId xmlns:a16="http://schemas.microsoft.com/office/drawing/2014/main" id="{06FE9F9B-A8E5-46CF-A6DE-AFAD66DB73AA}"/>
+          <p:cNvPr id="2" name="Заголовок 1">
+            <a:extLst>
+              <a:ext uri="{FF2B5EF4-FFF2-40B4-BE49-F238E27FC236}">
+                <a16:creationId xmlns:a16="http://schemas.microsoft.com/office/drawing/2014/main" id="{A7D087CB-7147-08CA-D962-28E2E1AFF3AC}"/>
               </a:ext>
             </a:extLst>
           </p:cNvPr>
@@ -988,19 +984,18 @@
           </a:lstStyle>
           <a:p>
             <a:r>
-              <a:rPr lang="en-US"/>
-              <a:t>Click to edit Master title style</a:t>
-            </a:r>
-            <a:endParaRPr lang="ru-RU"/>
-          </a:p>
-        </p:txBody>
-      </p:sp>
-      <p:sp>
-        <p:nvSpPr>
-          <p:cNvPr id="3" name="Text Placeholder 2">
-            <a:extLst>
-              <a:ext uri="{FF2B5EF4-FFF2-40B4-BE49-F238E27FC236}">
-                <a16:creationId xmlns:a16="http://schemas.microsoft.com/office/drawing/2014/main" id="{D8C82324-91D8-440B-9E3B-175D5065500B}"/>
+              <a:rPr lang="ru-RU"/>
+              <a:t>Образец заголовка</a:t>
+            </a:r>
+          </a:p>
+        </p:txBody>
+      </p:sp>
+      <p:sp>
+        <p:nvSpPr>
+          <p:cNvPr id="3" name="Текст 2">
+            <a:extLst>
+              <a:ext uri="{FF2B5EF4-FFF2-40B4-BE49-F238E27FC236}">
+                <a16:creationId xmlns:a16="http://schemas.microsoft.com/office/drawing/2014/main" id="{7E4F3BAC-B097-B85F-06EA-5615453AADDB}"/>
               </a:ext>
             </a:extLst>
           </p:cNvPr>
@@ -1025,7 +1020,7 @@
               <a:defRPr sz="2400">
                 <a:solidFill>
                   <a:schemeClr val="tx1">
-                    <a:tint val="75000"/>
+                    <a:tint val="82000"/>
                   </a:schemeClr>
                 </a:solidFill>
               </a:defRPr>
@@ -1035,7 +1030,7 @@
               <a:defRPr sz="2000">
                 <a:solidFill>
                   <a:schemeClr val="tx1">
-                    <a:tint val="75000"/>
+                    <a:tint val="82000"/>
                   </a:schemeClr>
                 </a:solidFill>
               </a:defRPr>
@@ -1045,7 +1040,7 @@
               <a:defRPr sz="1800">
                 <a:solidFill>
                   <a:schemeClr val="tx1">
-                    <a:tint val="75000"/>
+                    <a:tint val="82000"/>
                   </a:schemeClr>
                 </a:solidFill>
               </a:defRPr>
@@ -1055,7 +1050,7 @@
               <a:defRPr sz="1600">
                 <a:solidFill>
                   <a:schemeClr val="tx1">
-                    <a:tint val="75000"/>
+                    <a:tint val="82000"/>
                   </a:schemeClr>
                 </a:solidFill>
               </a:defRPr>
@@ -1065,7 +1060,7 @@
               <a:defRPr sz="1600">
                 <a:solidFill>
                   <a:schemeClr val="tx1">
-                    <a:tint val="75000"/>
+                    <a:tint val="82000"/>
                   </a:schemeClr>
                 </a:solidFill>
               </a:defRPr>
@@ -1075,7 +1070,7 @@
               <a:defRPr sz="1600">
                 <a:solidFill>
                   <a:schemeClr val="tx1">
-                    <a:tint val="75000"/>
+                    <a:tint val="82000"/>
                   </a:schemeClr>
                 </a:solidFill>
               </a:defRPr>
@@ -1085,7 +1080,7 @@
               <a:defRPr sz="1600">
                 <a:solidFill>
                   <a:schemeClr val="tx1">
-                    <a:tint val="75000"/>
+                    <a:tint val="82000"/>
                   </a:schemeClr>
                 </a:solidFill>
               </a:defRPr>
@@ -1095,7 +1090,7 @@
               <a:defRPr sz="1600">
                 <a:solidFill>
                   <a:schemeClr val="tx1">
-                    <a:tint val="75000"/>
+                    <a:tint val="82000"/>
                   </a:schemeClr>
                 </a:solidFill>
               </a:defRPr>
@@ -1105,7 +1100,7 @@
               <a:defRPr sz="1600">
                 <a:solidFill>
                   <a:schemeClr val="tx1">
-                    <a:tint val="75000"/>
+                    <a:tint val="82000"/>
                   </a:schemeClr>
                 </a:solidFill>
               </a:defRPr>
@@ -1114,18 +1109,18 @@
           <a:p>
             <a:pPr lvl="0"/>
             <a:r>
-              <a:rPr lang="en-US"/>
-              <a:t>Edit Master text styles</a:t>
-            </a:r>
-          </a:p>
-        </p:txBody>
-      </p:sp>
-      <p:sp>
-        <p:nvSpPr>
-          <p:cNvPr id="4" name="Date Placeholder 3">
-            <a:extLst>
-              <a:ext uri="{FF2B5EF4-FFF2-40B4-BE49-F238E27FC236}">
-                <a16:creationId xmlns:a16="http://schemas.microsoft.com/office/drawing/2014/main" id="{E6AD1FAF-54EF-4111-9D1B-2F2926FF87BD}"/>
+              <a:rPr lang="ru-RU"/>
+              <a:t>Образец текста</a:t>
+            </a:r>
+          </a:p>
+        </p:txBody>
+      </p:sp>
+      <p:sp>
+        <p:nvSpPr>
+          <p:cNvPr id="4" name="Дата 3">
+            <a:extLst>
+              <a:ext uri="{FF2B5EF4-FFF2-40B4-BE49-F238E27FC236}">
+                <a16:creationId xmlns:a16="http://schemas.microsoft.com/office/drawing/2014/main" id="{1F4F83F2-5BBE-7BA7-8343-58EC0D5982C4}"/>
               </a:ext>
             </a:extLst>
           </p:cNvPr>
@@ -1141,9 +1136,9 @@
           <a:bodyPr/>
           <a:lstStyle/>
           <a:p>
-            <a:fld id="{383AE468-257F-49B4-B662-2CCFF613538A}" type="datetimeFigureOut">
+            <a:fld id="{B04E5AB3-E7D1-F043-AF0F-9CB2CB2DDE52}" type="datetimeFigureOut">
               <a:rPr lang="ru-RU" smtClean="0"/>
-              <a:t>18.05.2018</a:t>
+              <a:t>10.06.2025</a:t>
             </a:fld>
             <a:endParaRPr lang="ru-RU"/>
           </a:p>
@@ -1151,10 +1146,10 @@
       </p:sp>
       <p:sp>
         <p:nvSpPr>
-          <p:cNvPr id="5" name="Footer Placeholder 4">
-            <a:extLst>
-              <a:ext uri="{FF2B5EF4-FFF2-40B4-BE49-F238E27FC236}">
-                <a16:creationId xmlns:a16="http://schemas.microsoft.com/office/drawing/2014/main" id="{A7E4EC55-3672-4372-837F-73A5A03109CD}"/>
+          <p:cNvPr id="5" name="Нижний колонтитул 4">
+            <a:extLst>
+              <a:ext uri="{FF2B5EF4-FFF2-40B4-BE49-F238E27FC236}">
+                <a16:creationId xmlns:a16="http://schemas.microsoft.com/office/drawing/2014/main" id="{798C9FBA-9FF3-C966-2168-3E060160EDBF}"/>
               </a:ext>
             </a:extLst>
           </p:cNvPr>
@@ -1176,10 +1171,10 @@
       </p:sp>
       <p:sp>
         <p:nvSpPr>
-          <p:cNvPr id="6" name="Slide Number Placeholder 5">
-            <a:extLst>
-              <a:ext uri="{FF2B5EF4-FFF2-40B4-BE49-F238E27FC236}">
-                <a16:creationId xmlns:a16="http://schemas.microsoft.com/office/drawing/2014/main" id="{26B59BDE-C30A-4B8C-89F2-0E3BB3ADD0B1}"/>
+          <p:cNvPr id="6" name="Номер слайда 5">
+            <a:extLst>
+              <a:ext uri="{FF2B5EF4-FFF2-40B4-BE49-F238E27FC236}">
+                <a16:creationId xmlns:a16="http://schemas.microsoft.com/office/drawing/2014/main" id="{B2AC6203-A33A-BAA8-1E5C-73D29EE3A0C4}"/>
               </a:ext>
             </a:extLst>
           </p:cNvPr>
@@ -1195,7 +1190,7 @@
           <a:bodyPr/>
           <a:lstStyle/>
           <a:p>
-            <a:fld id="{362894A7-704C-45E2-A6FE-7CBA176804A0}" type="slidenum">
+            <a:fld id="{F64DDBE7-A079-264A-A256-4D63F3E2258C}" type="slidenum">
               <a:rPr lang="ru-RU" smtClean="0"/>
               <a:t>‹#›</a:t>
             </a:fld>
@@ -1206,7 +1201,7 @@
     </p:spTree>
     <p:extLst>
       <p:ext uri="{BB962C8B-B14F-4D97-AF65-F5344CB8AC3E}">
-        <p14:creationId xmlns:p14="http://schemas.microsoft.com/office/powerpoint/2010/main" val="456529959"/>
+        <p14:creationId xmlns:p14="http://schemas.microsoft.com/office/powerpoint/2010/main" val="121434441"/>
       </p:ext>
     </p:extLst>
   </p:cSld>
@@ -1218,7 +1213,7 @@
 
 <file path=ppt/slideLayouts/slideLayout4.xml><?xml version="1.0" encoding="utf-8"?>
 <p:sldLayout xmlns:a="http://schemas.openxmlformats.org/drawingml/2006/main" xmlns:r="http://schemas.openxmlformats.org/officeDocument/2006/relationships" xmlns:p="http://schemas.openxmlformats.org/presentationml/2006/main" type="twoObj" preserve="1">
-  <p:cSld name="Two Content">
+  <p:cSld name="Два объекта">
     <p:spTree>
       <p:nvGrpSpPr>
         <p:cNvPr id="1" name=""/>
@@ -1235,10 +1230,10 @@
       </p:grpSpPr>
       <p:sp>
         <p:nvSpPr>
-          <p:cNvPr id="2" name="Title 1">
-            <a:extLst>
-              <a:ext uri="{FF2B5EF4-FFF2-40B4-BE49-F238E27FC236}">
-                <a16:creationId xmlns:a16="http://schemas.microsoft.com/office/drawing/2014/main" id="{C74EFF4D-0B65-45A1-BECA-430DE080A5EB}"/>
+          <p:cNvPr id="2" name="Заголовок 1">
+            <a:extLst>
+              <a:ext uri="{FF2B5EF4-FFF2-40B4-BE49-F238E27FC236}">
+                <a16:creationId xmlns:a16="http://schemas.microsoft.com/office/drawing/2014/main" id="{3DF79781-C356-AC70-C15A-C2539C577C25}"/>
               </a:ext>
             </a:extLst>
           </p:cNvPr>
@@ -1255,19 +1250,18 @@
           <a:lstStyle/>
           <a:p>
             <a:r>
-              <a:rPr lang="en-US"/>
-              <a:t>Click to edit Master title style</a:t>
-            </a:r>
-            <a:endParaRPr lang="ru-RU"/>
-          </a:p>
-        </p:txBody>
-      </p:sp>
-      <p:sp>
-        <p:nvSpPr>
-          <p:cNvPr id="3" name="Content Placeholder 2">
-            <a:extLst>
-              <a:ext uri="{FF2B5EF4-FFF2-40B4-BE49-F238E27FC236}">
-                <a16:creationId xmlns:a16="http://schemas.microsoft.com/office/drawing/2014/main" id="{B1B29D5B-E1FC-44CB-B52E-752EA6E66CF6}"/>
+              <a:rPr lang="ru-RU"/>
+              <a:t>Образец заголовка</a:t>
+            </a:r>
+          </a:p>
+        </p:txBody>
+      </p:sp>
+      <p:sp>
+        <p:nvSpPr>
+          <p:cNvPr id="3" name="Объект 2">
+            <a:extLst>
+              <a:ext uri="{FF2B5EF4-FFF2-40B4-BE49-F238E27FC236}">
+                <a16:creationId xmlns:a16="http://schemas.microsoft.com/office/drawing/2014/main" id="{8709FE35-5351-CA92-39B0-08E9500379EB}"/>
               </a:ext>
             </a:extLst>
           </p:cNvPr>
@@ -1290,47 +1284,46 @@
           <a:p>
             <a:pPr lvl="0"/>
             <a:r>
-              <a:rPr lang="en-US"/>
-              <a:t>Edit Master text styles</a:t>
+              <a:rPr lang="ru-RU"/>
+              <a:t>Образец текста</a:t>
             </a:r>
           </a:p>
           <a:p>
             <a:pPr lvl="1"/>
             <a:r>
-              <a:rPr lang="en-US"/>
-              <a:t>Second level</a:t>
+              <a:rPr lang="ru-RU"/>
+              <a:t>Второй уровень</a:t>
             </a:r>
           </a:p>
           <a:p>
             <a:pPr lvl="2"/>
             <a:r>
-              <a:rPr lang="en-US"/>
-              <a:t>Third level</a:t>
+              <a:rPr lang="ru-RU"/>
+              <a:t>Третий уровень</a:t>
             </a:r>
           </a:p>
           <a:p>
             <a:pPr lvl="3"/>
             <a:r>
-              <a:rPr lang="en-US"/>
-              <a:t>Fourth level</a:t>
+              <a:rPr lang="ru-RU"/>
+              <a:t>Четвертый уровень</a:t>
             </a:r>
           </a:p>
           <a:p>
             <a:pPr lvl="4"/>
             <a:r>
-              <a:rPr lang="en-US"/>
-              <a:t>Fifth level</a:t>
-            </a:r>
-            <a:endParaRPr lang="ru-RU"/>
-          </a:p>
-        </p:txBody>
-      </p:sp>
-      <p:sp>
-        <p:nvSpPr>
-          <p:cNvPr id="4" name="Content Placeholder 3">
-            <a:extLst>
-              <a:ext uri="{FF2B5EF4-FFF2-40B4-BE49-F238E27FC236}">
-                <a16:creationId xmlns:a16="http://schemas.microsoft.com/office/drawing/2014/main" id="{9AB0413C-072A-4514-A6DD-04A214E45B9E}"/>
+              <a:rPr lang="ru-RU"/>
+              <a:t>Пятый уровень</a:t>
+            </a:r>
+          </a:p>
+        </p:txBody>
+      </p:sp>
+      <p:sp>
+        <p:nvSpPr>
+          <p:cNvPr id="4" name="Объект 3">
+            <a:extLst>
+              <a:ext uri="{FF2B5EF4-FFF2-40B4-BE49-F238E27FC236}">
+                <a16:creationId xmlns:a16="http://schemas.microsoft.com/office/drawing/2014/main" id="{7856DF88-9B96-3276-4C7D-03F37C8DB792}"/>
               </a:ext>
             </a:extLst>
           </p:cNvPr>
@@ -1353,47 +1346,46 @@
           <a:p>
             <a:pPr lvl="0"/>
             <a:r>
-              <a:rPr lang="en-US"/>
-              <a:t>Edit Master text styles</a:t>
+              <a:rPr lang="ru-RU"/>
+              <a:t>Образец текста</a:t>
             </a:r>
           </a:p>
           <a:p>
             <a:pPr lvl="1"/>
             <a:r>
-              <a:rPr lang="en-US"/>
-              <a:t>Second level</a:t>
+              <a:rPr lang="ru-RU"/>
+              <a:t>Второй уровень</a:t>
             </a:r>
           </a:p>
           <a:p>
             <a:pPr lvl="2"/>
             <a:r>
-              <a:rPr lang="en-US"/>
-              <a:t>Third level</a:t>
+              <a:rPr lang="ru-RU"/>
+              <a:t>Третий уровень</a:t>
             </a:r>
           </a:p>
           <a:p>
             <a:pPr lvl="3"/>
             <a:r>
-              <a:rPr lang="en-US"/>
-              <a:t>Fourth level</a:t>
+              <a:rPr lang="ru-RU"/>
+              <a:t>Четвертый уровень</a:t>
             </a:r>
           </a:p>
           <a:p>
             <a:pPr lvl="4"/>
             <a:r>
-              <a:rPr lang="en-US"/>
-              <a:t>Fifth level</a:t>
-            </a:r>
-            <a:endParaRPr lang="ru-RU"/>
-          </a:p>
-        </p:txBody>
-      </p:sp>
-      <p:sp>
-        <p:nvSpPr>
-          <p:cNvPr id="5" name="Date Placeholder 4">
-            <a:extLst>
-              <a:ext uri="{FF2B5EF4-FFF2-40B4-BE49-F238E27FC236}">
-                <a16:creationId xmlns:a16="http://schemas.microsoft.com/office/drawing/2014/main" id="{3ABF2EAC-23A4-4F07-82CF-D33DD25903AD}"/>
+              <a:rPr lang="ru-RU"/>
+              <a:t>Пятый уровень</a:t>
+            </a:r>
+          </a:p>
+        </p:txBody>
+      </p:sp>
+      <p:sp>
+        <p:nvSpPr>
+          <p:cNvPr id="5" name="Дата 4">
+            <a:extLst>
+              <a:ext uri="{FF2B5EF4-FFF2-40B4-BE49-F238E27FC236}">
+                <a16:creationId xmlns:a16="http://schemas.microsoft.com/office/drawing/2014/main" id="{77EAC35C-4936-0687-A1A9-6A90A1040FCD}"/>
               </a:ext>
             </a:extLst>
           </p:cNvPr>
@@ -1409,9 +1401,9 @@
           <a:bodyPr/>
           <a:lstStyle/>
           <a:p>
-            <a:fld id="{383AE468-257F-49B4-B662-2CCFF613538A}" type="datetimeFigureOut">
+            <a:fld id="{B04E5AB3-E7D1-F043-AF0F-9CB2CB2DDE52}" type="datetimeFigureOut">
               <a:rPr lang="ru-RU" smtClean="0"/>
-              <a:t>18.05.2018</a:t>
+              <a:t>10.06.2025</a:t>
             </a:fld>
             <a:endParaRPr lang="ru-RU"/>
           </a:p>
@@ -1419,10 +1411,10 @@
       </p:sp>
       <p:sp>
         <p:nvSpPr>
-          <p:cNvPr id="6" name="Footer Placeholder 5">
-            <a:extLst>
-              <a:ext uri="{FF2B5EF4-FFF2-40B4-BE49-F238E27FC236}">
-                <a16:creationId xmlns:a16="http://schemas.microsoft.com/office/drawing/2014/main" id="{D6EB6FFC-316E-4F19-ADF3-EEC551F409E9}"/>
+          <p:cNvPr id="6" name="Нижний колонтитул 5">
+            <a:extLst>
+              <a:ext uri="{FF2B5EF4-FFF2-40B4-BE49-F238E27FC236}">
+                <a16:creationId xmlns:a16="http://schemas.microsoft.com/office/drawing/2014/main" id="{1C37813B-C0D1-C72D-20E5-E6E76B17F0E7}"/>
               </a:ext>
             </a:extLst>
           </p:cNvPr>
@@ -1444,10 +1436,10 @@
       </p:sp>
       <p:sp>
         <p:nvSpPr>
-          <p:cNvPr id="7" name="Slide Number Placeholder 6">
-            <a:extLst>
-              <a:ext uri="{FF2B5EF4-FFF2-40B4-BE49-F238E27FC236}">
-                <a16:creationId xmlns:a16="http://schemas.microsoft.com/office/drawing/2014/main" id="{83AF682D-07DD-4910-95CA-8CDB5896959E}"/>
+          <p:cNvPr id="7" name="Номер слайда 6">
+            <a:extLst>
+              <a:ext uri="{FF2B5EF4-FFF2-40B4-BE49-F238E27FC236}">
+                <a16:creationId xmlns:a16="http://schemas.microsoft.com/office/drawing/2014/main" id="{DF94B7A0-B8AC-848A-5AB7-584268952E0D}"/>
               </a:ext>
             </a:extLst>
           </p:cNvPr>
@@ -1463,7 +1455,7 @@
           <a:bodyPr/>
           <a:lstStyle/>
           <a:p>
-            <a:fld id="{362894A7-704C-45E2-A6FE-7CBA176804A0}" type="slidenum">
+            <a:fld id="{F64DDBE7-A079-264A-A256-4D63F3E2258C}" type="slidenum">
               <a:rPr lang="ru-RU" smtClean="0"/>
               <a:t>‹#›</a:t>
             </a:fld>
@@ -1474,7 +1466,7 @@
     </p:spTree>
     <p:extLst>
       <p:ext uri="{BB962C8B-B14F-4D97-AF65-F5344CB8AC3E}">
-        <p14:creationId xmlns:p14="http://schemas.microsoft.com/office/powerpoint/2010/main" val="1106259733"/>
+        <p14:creationId xmlns:p14="http://schemas.microsoft.com/office/powerpoint/2010/main" val="1807127571"/>
       </p:ext>
     </p:extLst>
   </p:cSld>
@@ -1486,7 +1478,7 @@
 
 <file path=ppt/slideLayouts/slideLayout5.xml><?xml version="1.0" encoding="utf-8"?>
 <p:sldLayout xmlns:a="http://schemas.openxmlformats.org/drawingml/2006/main" xmlns:r="http://schemas.openxmlformats.org/officeDocument/2006/relationships" xmlns:p="http://schemas.openxmlformats.org/presentationml/2006/main" type="twoTxTwoObj" preserve="1">
-  <p:cSld name="Comparison">
+  <p:cSld name="Сравнение">
     <p:spTree>
       <p:nvGrpSpPr>
         <p:cNvPr id="1" name=""/>
@@ -1503,10 +1495,10 @@
       </p:grpSpPr>
       <p:sp>
         <p:nvSpPr>
-          <p:cNvPr id="2" name="Title 1">
-            <a:extLst>
-              <a:ext uri="{FF2B5EF4-FFF2-40B4-BE49-F238E27FC236}">
-                <a16:creationId xmlns:a16="http://schemas.microsoft.com/office/drawing/2014/main" id="{CB3D9511-9CEF-4103-A255-22C32DA30B2B}"/>
+          <p:cNvPr id="2" name="Заголовок 1">
+            <a:extLst>
+              <a:ext uri="{FF2B5EF4-FFF2-40B4-BE49-F238E27FC236}">
+                <a16:creationId xmlns:a16="http://schemas.microsoft.com/office/drawing/2014/main" id="{34152A81-B2EC-21F4-F975-01AE19405904}"/>
               </a:ext>
             </a:extLst>
           </p:cNvPr>
@@ -1528,19 +1520,18 @@
           <a:lstStyle/>
           <a:p>
             <a:r>
-              <a:rPr lang="en-US"/>
-              <a:t>Click to edit Master title style</a:t>
-            </a:r>
-            <a:endParaRPr lang="ru-RU"/>
-          </a:p>
-        </p:txBody>
-      </p:sp>
-      <p:sp>
-        <p:nvSpPr>
-          <p:cNvPr id="3" name="Text Placeholder 2">
-            <a:extLst>
-              <a:ext uri="{FF2B5EF4-FFF2-40B4-BE49-F238E27FC236}">
-                <a16:creationId xmlns:a16="http://schemas.microsoft.com/office/drawing/2014/main" id="{CB78A705-2286-4096-AEEA-F901A220549D}"/>
+              <a:rPr lang="ru-RU"/>
+              <a:t>Образец заголовка</a:t>
+            </a:r>
+          </a:p>
+        </p:txBody>
+      </p:sp>
+      <p:sp>
+        <p:nvSpPr>
+          <p:cNvPr id="3" name="Текст 2">
+            <a:extLst>
+              <a:ext uri="{FF2B5EF4-FFF2-40B4-BE49-F238E27FC236}">
+                <a16:creationId xmlns:a16="http://schemas.microsoft.com/office/drawing/2014/main" id="{34B2B6CE-D35C-EE71-A116-D29EEF27D43F}"/>
               </a:ext>
             </a:extLst>
           </p:cNvPr>
@@ -1600,18 +1591,18 @@
           <a:p>
             <a:pPr lvl="0"/>
             <a:r>
-              <a:rPr lang="en-US"/>
-              <a:t>Edit Master text styles</a:t>
-            </a:r>
-          </a:p>
-        </p:txBody>
-      </p:sp>
-      <p:sp>
-        <p:nvSpPr>
-          <p:cNvPr id="4" name="Content Placeholder 3">
-            <a:extLst>
-              <a:ext uri="{FF2B5EF4-FFF2-40B4-BE49-F238E27FC236}">
-                <a16:creationId xmlns:a16="http://schemas.microsoft.com/office/drawing/2014/main" id="{CD6F7D7C-94CB-4C8F-B8F4-1B1CBC5DF0A5}"/>
+              <a:rPr lang="ru-RU"/>
+              <a:t>Образец текста</a:t>
+            </a:r>
+          </a:p>
+        </p:txBody>
+      </p:sp>
+      <p:sp>
+        <p:nvSpPr>
+          <p:cNvPr id="4" name="Объект 3">
+            <a:extLst>
+              <a:ext uri="{FF2B5EF4-FFF2-40B4-BE49-F238E27FC236}">
+                <a16:creationId xmlns:a16="http://schemas.microsoft.com/office/drawing/2014/main" id="{E019953C-FE25-C392-7417-24FB849907E8}"/>
               </a:ext>
             </a:extLst>
           </p:cNvPr>
@@ -1634,47 +1625,46 @@
           <a:p>
             <a:pPr lvl="0"/>
             <a:r>
-              <a:rPr lang="en-US"/>
-              <a:t>Edit Master text styles</a:t>
+              <a:rPr lang="ru-RU"/>
+              <a:t>Образец текста</a:t>
             </a:r>
           </a:p>
           <a:p>
             <a:pPr lvl="1"/>
             <a:r>
-              <a:rPr lang="en-US"/>
-              <a:t>Second level</a:t>
+              <a:rPr lang="ru-RU"/>
+              <a:t>Второй уровень</a:t>
             </a:r>
           </a:p>
           <a:p>
             <a:pPr lvl="2"/>
             <a:r>
-              <a:rPr lang="en-US"/>
-              <a:t>Third level</a:t>
+              <a:rPr lang="ru-RU"/>
+              <a:t>Третий уровень</a:t>
             </a:r>
           </a:p>
           <a:p>
             <a:pPr lvl="3"/>
             <a:r>
-              <a:rPr lang="en-US"/>
-              <a:t>Fourth level</a:t>
+              <a:rPr lang="ru-RU"/>
+              <a:t>Четвертый уровень</a:t>
             </a:r>
           </a:p>
           <a:p>
             <a:pPr lvl="4"/>
             <a:r>
-              <a:rPr lang="en-US"/>
-              <a:t>Fifth level</a:t>
-            </a:r>
-            <a:endParaRPr lang="ru-RU"/>
-          </a:p>
-        </p:txBody>
-      </p:sp>
-      <p:sp>
-        <p:nvSpPr>
-          <p:cNvPr id="5" name="Text Placeholder 4">
-            <a:extLst>
-              <a:ext uri="{FF2B5EF4-FFF2-40B4-BE49-F238E27FC236}">
-                <a16:creationId xmlns:a16="http://schemas.microsoft.com/office/drawing/2014/main" id="{B568B94D-3B93-4BE3-BCD7-D1C3F6780CD6}"/>
+              <a:rPr lang="ru-RU"/>
+              <a:t>Пятый уровень</a:t>
+            </a:r>
+          </a:p>
+        </p:txBody>
+      </p:sp>
+      <p:sp>
+        <p:nvSpPr>
+          <p:cNvPr id="5" name="Текст 4">
+            <a:extLst>
+              <a:ext uri="{FF2B5EF4-FFF2-40B4-BE49-F238E27FC236}">
+                <a16:creationId xmlns:a16="http://schemas.microsoft.com/office/drawing/2014/main" id="{907EA4CF-FE02-3350-0B20-F6AA6AABFF09}"/>
               </a:ext>
             </a:extLst>
           </p:cNvPr>
@@ -1734,18 +1724,18 @@
           <a:p>
             <a:pPr lvl="0"/>
             <a:r>
-              <a:rPr lang="en-US"/>
-              <a:t>Edit Master text styles</a:t>
-            </a:r>
-          </a:p>
-        </p:txBody>
-      </p:sp>
-      <p:sp>
-        <p:nvSpPr>
-          <p:cNvPr id="6" name="Content Placeholder 5">
-            <a:extLst>
-              <a:ext uri="{FF2B5EF4-FFF2-40B4-BE49-F238E27FC236}">
-                <a16:creationId xmlns:a16="http://schemas.microsoft.com/office/drawing/2014/main" id="{9DC04F3D-C677-47B6-A30D-E407CDFA1ED1}"/>
+              <a:rPr lang="ru-RU"/>
+              <a:t>Образец текста</a:t>
+            </a:r>
+          </a:p>
+        </p:txBody>
+      </p:sp>
+      <p:sp>
+        <p:nvSpPr>
+          <p:cNvPr id="6" name="Объект 5">
+            <a:extLst>
+              <a:ext uri="{FF2B5EF4-FFF2-40B4-BE49-F238E27FC236}">
+                <a16:creationId xmlns:a16="http://schemas.microsoft.com/office/drawing/2014/main" id="{AC3D543F-FE23-0314-CFA8-10303598C276}"/>
               </a:ext>
             </a:extLst>
           </p:cNvPr>
@@ -1768,47 +1758,46 @@
           <a:p>
             <a:pPr lvl="0"/>
             <a:r>
-              <a:rPr lang="en-US"/>
-              <a:t>Edit Master text styles</a:t>
+              <a:rPr lang="ru-RU"/>
+              <a:t>Образец текста</a:t>
             </a:r>
           </a:p>
           <a:p>
             <a:pPr lvl="1"/>
             <a:r>
-              <a:rPr lang="en-US"/>
-              <a:t>Second level</a:t>
+              <a:rPr lang="ru-RU"/>
+              <a:t>Второй уровень</a:t>
             </a:r>
           </a:p>
           <a:p>
             <a:pPr lvl="2"/>
             <a:r>
-              <a:rPr lang="en-US"/>
-              <a:t>Third level</a:t>
+              <a:rPr lang="ru-RU"/>
+              <a:t>Третий уровень</a:t>
             </a:r>
           </a:p>
           <a:p>
             <a:pPr lvl="3"/>
             <a:r>
-              <a:rPr lang="en-US"/>
-              <a:t>Fourth level</a:t>
+              <a:rPr lang="ru-RU"/>
+              <a:t>Четвертый уровень</a:t>
             </a:r>
           </a:p>
           <a:p>
             <a:pPr lvl="4"/>
             <a:r>
-              <a:rPr lang="en-US"/>
-              <a:t>Fifth level</a:t>
-            </a:r>
-            <a:endParaRPr lang="ru-RU"/>
-          </a:p>
-        </p:txBody>
-      </p:sp>
-      <p:sp>
-        <p:nvSpPr>
-          <p:cNvPr id="7" name="Date Placeholder 6">
-            <a:extLst>
-              <a:ext uri="{FF2B5EF4-FFF2-40B4-BE49-F238E27FC236}">
-                <a16:creationId xmlns:a16="http://schemas.microsoft.com/office/drawing/2014/main" id="{CE2BA8CF-B256-4A82-9045-0DCB592A1DCC}"/>
+              <a:rPr lang="ru-RU"/>
+              <a:t>Пятый уровень</a:t>
+            </a:r>
+          </a:p>
+        </p:txBody>
+      </p:sp>
+      <p:sp>
+        <p:nvSpPr>
+          <p:cNvPr id="7" name="Дата 6">
+            <a:extLst>
+              <a:ext uri="{FF2B5EF4-FFF2-40B4-BE49-F238E27FC236}">
+                <a16:creationId xmlns:a16="http://schemas.microsoft.com/office/drawing/2014/main" id="{9661E948-8E85-B52A-7861-0D0664F97E4E}"/>
               </a:ext>
             </a:extLst>
           </p:cNvPr>
@@ -1824,9 +1813,9 @@
           <a:bodyPr/>
           <a:lstStyle/>
           <a:p>
-            <a:fld id="{383AE468-257F-49B4-B662-2CCFF613538A}" type="datetimeFigureOut">
+            <a:fld id="{B04E5AB3-E7D1-F043-AF0F-9CB2CB2DDE52}" type="datetimeFigureOut">
               <a:rPr lang="ru-RU" smtClean="0"/>
-              <a:t>18.05.2018</a:t>
+              <a:t>10.06.2025</a:t>
             </a:fld>
             <a:endParaRPr lang="ru-RU"/>
           </a:p>
@@ -1834,10 +1823,10 @@
       </p:sp>
       <p:sp>
         <p:nvSpPr>
-          <p:cNvPr id="8" name="Footer Placeholder 7">
-            <a:extLst>
-              <a:ext uri="{FF2B5EF4-FFF2-40B4-BE49-F238E27FC236}">
-                <a16:creationId xmlns:a16="http://schemas.microsoft.com/office/drawing/2014/main" id="{E1322AD9-D3B8-4A32-89EC-625285C9CF58}"/>
+          <p:cNvPr id="8" name="Нижний колонтитул 7">
+            <a:extLst>
+              <a:ext uri="{FF2B5EF4-FFF2-40B4-BE49-F238E27FC236}">
+                <a16:creationId xmlns:a16="http://schemas.microsoft.com/office/drawing/2014/main" id="{BF54881D-E5BC-8CB6-35DB-A8406C902420}"/>
               </a:ext>
             </a:extLst>
           </p:cNvPr>
@@ -1859,10 +1848,10 @@
       </p:sp>
       <p:sp>
         <p:nvSpPr>
-          <p:cNvPr id="9" name="Slide Number Placeholder 8">
-            <a:extLst>
-              <a:ext uri="{FF2B5EF4-FFF2-40B4-BE49-F238E27FC236}">
-                <a16:creationId xmlns:a16="http://schemas.microsoft.com/office/drawing/2014/main" id="{2BA4D722-63BE-4263-BA32-705A4DF316E6}"/>
+          <p:cNvPr id="9" name="Номер слайда 8">
+            <a:extLst>
+              <a:ext uri="{FF2B5EF4-FFF2-40B4-BE49-F238E27FC236}">
+                <a16:creationId xmlns:a16="http://schemas.microsoft.com/office/drawing/2014/main" id="{65B95197-4ADF-BA82-8ECB-241AA5E05AAA}"/>
               </a:ext>
             </a:extLst>
           </p:cNvPr>
@@ -1878,7 +1867,7 @@
           <a:bodyPr/>
           <a:lstStyle/>
           <a:p>
-            <a:fld id="{362894A7-704C-45E2-A6FE-7CBA176804A0}" type="slidenum">
+            <a:fld id="{F64DDBE7-A079-264A-A256-4D63F3E2258C}" type="slidenum">
               <a:rPr lang="ru-RU" smtClean="0"/>
               <a:t>‹#›</a:t>
             </a:fld>
@@ -1889,7 +1878,7 @@
     </p:spTree>
     <p:extLst>
       <p:ext uri="{BB962C8B-B14F-4D97-AF65-F5344CB8AC3E}">
-        <p14:creationId xmlns:p14="http://schemas.microsoft.com/office/powerpoint/2010/main" val="2710265067"/>
+        <p14:creationId xmlns:p14="http://schemas.microsoft.com/office/powerpoint/2010/main" val="348100408"/>
       </p:ext>
     </p:extLst>
   </p:cSld>
@@ -1901,7 +1890,7 @@
 
 <file path=ppt/slideLayouts/slideLayout6.xml><?xml version="1.0" encoding="utf-8"?>
 <p:sldLayout xmlns:a="http://schemas.openxmlformats.org/drawingml/2006/main" xmlns:r="http://schemas.openxmlformats.org/officeDocument/2006/relationships" xmlns:p="http://schemas.openxmlformats.org/presentationml/2006/main" type="titleOnly" preserve="1">
-  <p:cSld name="Title Only">
+  <p:cSld name="Только заголовок">
     <p:spTree>
       <p:nvGrpSpPr>
         <p:cNvPr id="1" name=""/>
@@ -1918,10 +1907,10 @@
       </p:grpSpPr>
       <p:sp>
         <p:nvSpPr>
-          <p:cNvPr id="2" name="Title 1">
-            <a:extLst>
-              <a:ext uri="{FF2B5EF4-FFF2-40B4-BE49-F238E27FC236}">
-                <a16:creationId xmlns:a16="http://schemas.microsoft.com/office/drawing/2014/main" id="{873C7775-E66E-4A08-8E9C-F47D01213480}"/>
+          <p:cNvPr id="2" name="Заголовок 1">
+            <a:extLst>
+              <a:ext uri="{FF2B5EF4-FFF2-40B4-BE49-F238E27FC236}">
+                <a16:creationId xmlns:a16="http://schemas.microsoft.com/office/drawing/2014/main" id="{366E63B6-759B-1B1E-27FF-7AE81F2880D4}"/>
               </a:ext>
             </a:extLst>
           </p:cNvPr>
@@ -1938,19 +1927,18 @@
           <a:lstStyle/>
           <a:p>
             <a:r>
-              <a:rPr lang="en-US"/>
-              <a:t>Click to edit Master title style</a:t>
-            </a:r>
-            <a:endParaRPr lang="ru-RU"/>
-          </a:p>
-        </p:txBody>
-      </p:sp>
-      <p:sp>
-        <p:nvSpPr>
-          <p:cNvPr id="3" name="Date Placeholder 2">
-            <a:extLst>
-              <a:ext uri="{FF2B5EF4-FFF2-40B4-BE49-F238E27FC236}">
-                <a16:creationId xmlns:a16="http://schemas.microsoft.com/office/drawing/2014/main" id="{47975F47-9604-46B5-8B9F-11935781721A}"/>
+              <a:rPr lang="ru-RU"/>
+              <a:t>Образец заголовка</a:t>
+            </a:r>
+          </a:p>
+        </p:txBody>
+      </p:sp>
+      <p:sp>
+        <p:nvSpPr>
+          <p:cNvPr id="3" name="Дата 2">
+            <a:extLst>
+              <a:ext uri="{FF2B5EF4-FFF2-40B4-BE49-F238E27FC236}">
+                <a16:creationId xmlns:a16="http://schemas.microsoft.com/office/drawing/2014/main" id="{B0C2089F-B0EF-AF34-E41C-F01265F60B8E}"/>
               </a:ext>
             </a:extLst>
           </p:cNvPr>
@@ -1966,9 +1954,9 @@
           <a:bodyPr/>
           <a:lstStyle/>
           <a:p>
-            <a:fld id="{383AE468-257F-49B4-B662-2CCFF613538A}" type="datetimeFigureOut">
+            <a:fld id="{B04E5AB3-E7D1-F043-AF0F-9CB2CB2DDE52}" type="datetimeFigureOut">
               <a:rPr lang="ru-RU" smtClean="0"/>
-              <a:t>18.05.2018</a:t>
+              <a:t>10.06.2025</a:t>
             </a:fld>
             <a:endParaRPr lang="ru-RU"/>
           </a:p>
@@ -1976,10 +1964,10 @@
       </p:sp>
       <p:sp>
         <p:nvSpPr>
-          <p:cNvPr id="4" name="Footer Placeholder 3">
-            <a:extLst>
-              <a:ext uri="{FF2B5EF4-FFF2-40B4-BE49-F238E27FC236}">
-                <a16:creationId xmlns:a16="http://schemas.microsoft.com/office/drawing/2014/main" id="{B4A42804-B9F6-46D1-AAA2-E983FD247165}"/>
+          <p:cNvPr id="4" name="Нижний колонтитул 3">
+            <a:extLst>
+              <a:ext uri="{FF2B5EF4-FFF2-40B4-BE49-F238E27FC236}">
+                <a16:creationId xmlns:a16="http://schemas.microsoft.com/office/drawing/2014/main" id="{E0FB59EC-5B83-69A8-00FF-176671CE1E71}"/>
               </a:ext>
             </a:extLst>
           </p:cNvPr>
@@ -2001,10 +1989,10 @@
       </p:sp>
       <p:sp>
         <p:nvSpPr>
-          <p:cNvPr id="5" name="Slide Number Placeholder 4">
-            <a:extLst>
-              <a:ext uri="{FF2B5EF4-FFF2-40B4-BE49-F238E27FC236}">
-                <a16:creationId xmlns:a16="http://schemas.microsoft.com/office/drawing/2014/main" id="{8E1E3409-077F-4790-8562-78ACAA32364B}"/>
+          <p:cNvPr id="5" name="Номер слайда 4">
+            <a:extLst>
+              <a:ext uri="{FF2B5EF4-FFF2-40B4-BE49-F238E27FC236}">
+                <a16:creationId xmlns:a16="http://schemas.microsoft.com/office/drawing/2014/main" id="{8FA30F60-2DA6-21A0-13A4-4FC1C6B94B51}"/>
               </a:ext>
             </a:extLst>
           </p:cNvPr>
@@ -2020,7 +2008,7 @@
           <a:bodyPr/>
           <a:lstStyle/>
           <a:p>
-            <a:fld id="{362894A7-704C-45E2-A6FE-7CBA176804A0}" type="slidenum">
+            <a:fld id="{F64DDBE7-A079-264A-A256-4D63F3E2258C}" type="slidenum">
               <a:rPr lang="ru-RU" smtClean="0"/>
               <a:t>‹#›</a:t>
             </a:fld>
@@ -2031,7 +2019,7 @@
     </p:spTree>
     <p:extLst>
       <p:ext uri="{BB962C8B-B14F-4D97-AF65-F5344CB8AC3E}">
-        <p14:creationId xmlns:p14="http://schemas.microsoft.com/office/powerpoint/2010/main" val="4007228620"/>
+        <p14:creationId xmlns:p14="http://schemas.microsoft.com/office/powerpoint/2010/main" val="735304688"/>
       </p:ext>
     </p:extLst>
   </p:cSld>
@@ -2043,7 +2031,7 @@
 
 <file path=ppt/slideLayouts/slideLayout7.xml><?xml version="1.0" encoding="utf-8"?>
 <p:sldLayout xmlns:a="http://schemas.openxmlformats.org/drawingml/2006/main" xmlns:r="http://schemas.openxmlformats.org/officeDocument/2006/relationships" xmlns:p="http://schemas.openxmlformats.org/presentationml/2006/main" type="blank" preserve="1">
-  <p:cSld name="Blank">
+  <p:cSld name="Пустой слайд">
     <p:spTree>
       <p:nvGrpSpPr>
         <p:cNvPr id="1" name=""/>
@@ -2060,10 +2048,10 @@
       </p:grpSpPr>
       <p:sp>
         <p:nvSpPr>
-          <p:cNvPr id="2" name="Date Placeholder 1">
-            <a:extLst>
-              <a:ext uri="{FF2B5EF4-FFF2-40B4-BE49-F238E27FC236}">
-                <a16:creationId xmlns:a16="http://schemas.microsoft.com/office/drawing/2014/main" id="{40B8FDE6-0F3A-4353-A99A-3DFA6F3DF869}"/>
+          <p:cNvPr id="2" name="Дата 1">
+            <a:extLst>
+              <a:ext uri="{FF2B5EF4-FFF2-40B4-BE49-F238E27FC236}">
+                <a16:creationId xmlns:a16="http://schemas.microsoft.com/office/drawing/2014/main" id="{9BCEB896-F99F-49E0-1CE1-EEF403BF1907}"/>
               </a:ext>
             </a:extLst>
           </p:cNvPr>
@@ -2079,9 +2067,9 @@
           <a:bodyPr/>
           <a:lstStyle/>
           <a:p>
-            <a:fld id="{383AE468-257F-49B4-B662-2CCFF613538A}" type="datetimeFigureOut">
+            <a:fld id="{B04E5AB3-E7D1-F043-AF0F-9CB2CB2DDE52}" type="datetimeFigureOut">
               <a:rPr lang="ru-RU" smtClean="0"/>
-              <a:t>18.05.2018</a:t>
+              <a:t>10.06.2025</a:t>
             </a:fld>
             <a:endParaRPr lang="ru-RU"/>
           </a:p>
@@ -2089,10 +2077,10 @@
       </p:sp>
       <p:sp>
         <p:nvSpPr>
-          <p:cNvPr id="3" name="Footer Placeholder 2">
-            <a:extLst>
-              <a:ext uri="{FF2B5EF4-FFF2-40B4-BE49-F238E27FC236}">
-                <a16:creationId xmlns:a16="http://schemas.microsoft.com/office/drawing/2014/main" id="{49138FB4-9D11-4183-BA21-A99009A90D7E}"/>
+          <p:cNvPr id="3" name="Нижний колонтитул 2">
+            <a:extLst>
+              <a:ext uri="{FF2B5EF4-FFF2-40B4-BE49-F238E27FC236}">
+                <a16:creationId xmlns:a16="http://schemas.microsoft.com/office/drawing/2014/main" id="{06E9EA1D-FA3F-5506-4F23-6684DB3787E7}"/>
               </a:ext>
             </a:extLst>
           </p:cNvPr>
@@ -2114,10 +2102,10 @@
       </p:sp>
       <p:sp>
         <p:nvSpPr>
-          <p:cNvPr id="4" name="Slide Number Placeholder 3">
-            <a:extLst>
-              <a:ext uri="{FF2B5EF4-FFF2-40B4-BE49-F238E27FC236}">
-                <a16:creationId xmlns:a16="http://schemas.microsoft.com/office/drawing/2014/main" id="{FFE99285-1146-47B5-98A3-F8BBBAB288A5}"/>
+          <p:cNvPr id="4" name="Номер слайда 3">
+            <a:extLst>
+              <a:ext uri="{FF2B5EF4-FFF2-40B4-BE49-F238E27FC236}">
+                <a16:creationId xmlns:a16="http://schemas.microsoft.com/office/drawing/2014/main" id="{44BD78B1-2460-1240-18C8-E575E1B3AE8E}"/>
               </a:ext>
             </a:extLst>
           </p:cNvPr>
@@ -2133,7 +2121,7 @@
           <a:bodyPr/>
           <a:lstStyle/>
           <a:p>
-            <a:fld id="{362894A7-704C-45E2-A6FE-7CBA176804A0}" type="slidenum">
+            <a:fld id="{F64DDBE7-A079-264A-A256-4D63F3E2258C}" type="slidenum">
               <a:rPr lang="ru-RU" smtClean="0"/>
               <a:t>‹#›</a:t>
             </a:fld>
@@ -2144,7 +2132,7 @@
     </p:spTree>
     <p:extLst>
       <p:ext uri="{BB962C8B-B14F-4D97-AF65-F5344CB8AC3E}">
-        <p14:creationId xmlns:p14="http://schemas.microsoft.com/office/powerpoint/2010/main" val="2970363669"/>
+        <p14:creationId xmlns:p14="http://schemas.microsoft.com/office/powerpoint/2010/main" val="394863023"/>
       </p:ext>
     </p:extLst>
   </p:cSld>
@@ -2156,7 +2144,7 @@
 
 <file path=ppt/slideLayouts/slideLayout8.xml><?xml version="1.0" encoding="utf-8"?>
 <p:sldLayout xmlns:a="http://schemas.openxmlformats.org/drawingml/2006/main" xmlns:r="http://schemas.openxmlformats.org/officeDocument/2006/relationships" xmlns:p="http://schemas.openxmlformats.org/presentationml/2006/main" type="objTx" preserve="1">
-  <p:cSld name="Content with Caption">
+  <p:cSld name="Объект с подписью">
     <p:spTree>
       <p:nvGrpSpPr>
         <p:cNvPr id="1" name=""/>
@@ -2173,10 +2161,10 @@
       </p:grpSpPr>
       <p:sp>
         <p:nvSpPr>
-          <p:cNvPr id="2" name="Title 1">
-            <a:extLst>
-              <a:ext uri="{FF2B5EF4-FFF2-40B4-BE49-F238E27FC236}">
-                <a16:creationId xmlns:a16="http://schemas.microsoft.com/office/drawing/2014/main" id="{C46639D3-7230-4B12-84EE-0921ADDC9DCC}"/>
+          <p:cNvPr id="2" name="Заголовок 1">
+            <a:extLst>
+              <a:ext uri="{FF2B5EF4-FFF2-40B4-BE49-F238E27FC236}">
+                <a16:creationId xmlns:a16="http://schemas.microsoft.com/office/drawing/2014/main" id="{55CC7D46-CFAD-0DC7-22F8-A689F96DCCE7}"/>
               </a:ext>
             </a:extLst>
           </p:cNvPr>
@@ -2202,19 +2190,18 @@
           </a:lstStyle>
           <a:p>
             <a:r>
-              <a:rPr lang="en-US"/>
-              <a:t>Click to edit Master title style</a:t>
-            </a:r>
-            <a:endParaRPr lang="ru-RU"/>
-          </a:p>
-        </p:txBody>
-      </p:sp>
-      <p:sp>
-        <p:nvSpPr>
-          <p:cNvPr id="3" name="Content Placeholder 2">
-            <a:extLst>
-              <a:ext uri="{FF2B5EF4-FFF2-40B4-BE49-F238E27FC236}">
-                <a16:creationId xmlns:a16="http://schemas.microsoft.com/office/drawing/2014/main" id="{3AC2AAA1-91B4-4D47-898A-F900E8D5FACB}"/>
+              <a:rPr lang="ru-RU"/>
+              <a:t>Образец заголовка</a:t>
+            </a:r>
+          </a:p>
+        </p:txBody>
+      </p:sp>
+      <p:sp>
+        <p:nvSpPr>
+          <p:cNvPr id="3" name="Объект 2">
+            <a:extLst>
+              <a:ext uri="{FF2B5EF4-FFF2-40B4-BE49-F238E27FC236}">
+                <a16:creationId xmlns:a16="http://schemas.microsoft.com/office/drawing/2014/main" id="{3B644187-63E8-3D3C-258E-F90EF0988ED8}"/>
               </a:ext>
             </a:extLst>
           </p:cNvPr>
@@ -2265,47 +2252,46 @@
           <a:p>
             <a:pPr lvl="0"/>
             <a:r>
-              <a:rPr lang="en-US"/>
-              <a:t>Edit Master text styles</a:t>
+              <a:rPr lang="ru-RU"/>
+              <a:t>Образец текста</a:t>
             </a:r>
           </a:p>
           <a:p>
             <a:pPr lvl="1"/>
             <a:r>
-              <a:rPr lang="en-US"/>
-              <a:t>Second level</a:t>
+              <a:rPr lang="ru-RU"/>
+              <a:t>Второй уровень</a:t>
             </a:r>
           </a:p>
           <a:p>
             <a:pPr lvl="2"/>
             <a:r>
-              <a:rPr lang="en-US"/>
-              <a:t>Third level</a:t>
+              <a:rPr lang="ru-RU"/>
+              <a:t>Третий уровень</a:t>
             </a:r>
           </a:p>
           <a:p>
             <a:pPr lvl="3"/>
             <a:r>
-              <a:rPr lang="en-US"/>
-              <a:t>Fourth level</a:t>
+              <a:rPr lang="ru-RU"/>
+              <a:t>Четвертый уровень</a:t>
             </a:r>
           </a:p>
           <a:p>
             <a:pPr lvl="4"/>
             <a:r>
-              <a:rPr lang="en-US"/>
-              <a:t>Fifth level</a:t>
-            </a:r>
-            <a:endParaRPr lang="ru-RU"/>
-          </a:p>
-        </p:txBody>
-      </p:sp>
-      <p:sp>
-        <p:nvSpPr>
-          <p:cNvPr id="4" name="Text Placeholder 3">
-            <a:extLst>
-              <a:ext uri="{FF2B5EF4-FFF2-40B4-BE49-F238E27FC236}">
-                <a16:creationId xmlns:a16="http://schemas.microsoft.com/office/drawing/2014/main" id="{FE7468C1-EB13-4D50-A5E3-50CC8A018CF9}"/>
+              <a:rPr lang="ru-RU"/>
+              <a:t>Пятый уровень</a:t>
+            </a:r>
+          </a:p>
+        </p:txBody>
+      </p:sp>
+      <p:sp>
+        <p:nvSpPr>
+          <p:cNvPr id="4" name="Текст 3">
+            <a:extLst>
+              <a:ext uri="{FF2B5EF4-FFF2-40B4-BE49-F238E27FC236}">
+                <a16:creationId xmlns:a16="http://schemas.microsoft.com/office/drawing/2014/main" id="{BEC54E65-F4D3-43A1-A336-A2B07926024A}"/>
               </a:ext>
             </a:extLst>
           </p:cNvPr>
@@ -2365,18 +2351,18 @@
           <a:p>
             <a:pPr lvl="0"/>
             <a:r>
-              <a:rPr lang="en-US"/>
-              <a:t>Edit Master text styles</a:t>
-            </a:r>
-          </a:p>
-        </p:txBody>
-      </p:sp>
-      <p:sp>
-        <p:nvSpPr>
-          <p:cNvPr id="5" name="Date Placeholder 4">
-            <a:extLst>
-              <a:ext uri="{FF2B5EF4-FFF2-40B4-BE49-F238E27FC236}">
-                <a16:creationId xmlns:a16="http://schemas.microsoft.com/office/drawing/2014/main" id="{5BE972A3-B96E-46A5-B58D-50C804E21D37}"/>
+              <a:rPr lang="ru-RU"/>
+              <a:t>Образец текста</a:t>
+            </a:r>
+          </a:p>
+        </p:txBody>
+      </p:sp>
+      <p:sp>
+        <p:nvSpPr>
+          <p:cNvPr id="5" name="Дата 4">
+            <a:extLst>
+              <a:ext uri="{FF2B5EF4-FFF2-40B4-BE49-F238E27FC236}">
+                <a16:creationId xmlns:a16="http://schemas.microsoft.com/office/drawing/2014/main" id="{2F1DD17F-4BE3-29EA-49B4-8A720A7027BF}"/>
               </a:ext>
             </a:extLst>
           </p:cNvPr>
@@ -2392,9 +2378,9 @@
           <a:bodyPr/>
           <a:lstStyle/>
           <a:p>
-            <a:fld id="{383AE468-257F-49B4-B662-2CCFF613538A}" type="datetimeFigureOut">
+            <a:fld id="{B04E5AB3-E7D1-F043-AF0F-9CB2CB2DDE52}" type="datetimeFigureOut">
               <a:rPr lang="ru-RU" smtClean="0"/>
-              <a:t>18.05.2018</a:t>
+              <a:t>10.06.2025</a:t>
             </a:fld>
             <a:endParaRPr lang="ru-RU"/>
           </a:p>
@@ -2402,10 +2388,10 @@
       </p:sp>
       <p:sp>
         <p:nvSpPr>
-          <p:cNvPr id="6" name="Footer Placeholder 5">
-            <a:extLst>
-              <a:ext uri="{FF2B5EF4-FFF2-40B4-BE49-F238E27FC236}">
-                <a16:creationId xmlns:a16="http://schemas.microsoft.com/office/drawing/2014/main" id="{2646E6CE-038D-4B58-BA73-5C730B25474B}"/>
+          <p:cNvPr id="6" name="Нижний колонтитул 5">
+            <a:extLst>
+              <a:ext uri="{FF2B5EF4-FFF2-40B4-BE49-F238E27FC236}">
+                <a16:creationId xmlns:a16="http://schemas.microsoft.com/office/drawing/2014/main" id="{61AC4AAD-7F44-EF9C-5740-7A9F385E29F3}"/>
               </a:ext>
             </a:extLst>
           </p:cNvPr>
@@ -2427,10 +2413,10 @@
       </p:sp>
       <p:sp>
         <p:nvSpPr>
-          <p:cNvPr id="7" name="Slide Number Placeholder 6">
-            <a:extLst>
-              <a:ext uri="{FF2B5EF4-FFF2-40B4-BE49-F238E27FC236}">
-                <a16:creationId xmlns:a16="http://schemas.microsoft.com/office/drawing/2014/main" id="{D0DCE217-FB1C-4DDC-957D-7F974B11F8C6}"/>
+          <p:cNvPr id="7" name="Номер слайда 6">
+            <a:extLst>
+              <a:ext uri="{FF2B5EF4-FFF2-40B4-BE49-F238E27FC236}">
+                <a16:creationId xmlns:a16="http://schemas.microsoft.com/office/drawing/2014/main" id="{CCA23BB6-51F7-EB87-F5F0-B46CA44A3A70}"/>
               </a:ext>
             </a:extLst>
           </p:cNvPr>
@@ -2446,7 +2432,7 @@
           <a:bodyPr/>
           <a:lstStyle/>
           <a:p>
-            <a:fld id="{362894A7-704C-45E2-A6FE-7CBA176804A0}" type="slidenum">
+            <a:fld id="{F64DDBE7-A079-264A-A256-4D63F3E2258C}" type="slidenum">
               <a:rPr lang="ru-RU" smtClean="0"/>
               <a:t>‹#›</a:t>
             </a:fld>
@@ -2457,7 +2443,7 @@
     </p:spTree>
     <p:extLst>
       <p:ext uri="{BB962C8B-B14F-4D97-AF65-F5344CB8AC3E}">
-        <p14:creationId xmlns:p14="http://schemas.microsoft.com/office/powerpoint/2010/main" val="2807548050"/>
+        <p14:creationId xmlns:p14="http://schemas.microsoft.com/office/powerpoint/2010/main" val="3169282924"/>
       </p:ext>
     </p:extLst>
   </p:cSld>
@@ -2469,7 +2455,7 @@
 
 <file path=ppt/slideLayouts/slideLayout9.xml><?xml version="1.0" encoding="utf-8"?>
 <p:sldLayout xmlns:a="http://schemas.openxmlformats.org/drawingml/2006/main" xmlns:r="http://schemas.openxmlformats.org/officeDocument/2006/relationships" xmlns:p="http://schemas.openxmlformats.org/presentationml/2006/main" type="picTx" preserve="1">
-  <p:cSld name="Picture with Caption">
+  <p:cSld name="Рисунок с подписью">
     <p:spTree>
       <p:nvGrpSpPr>
         <p:cNvPr id="1" name=""/>
@@ -2486,10 +2472,10 @@
       </p:grpSpPr>
       <p:sp>
         <p:nvSpPr>
-          <p:cNvPr id="2" name="Title 1">
-            <a:extLst>
-              <a:ext uri="{FF2B5EF4-FFF2-40B4-BE49-F238E27FC236}">
-                <a16:creationId xmlns:a16="http://schemas.microsoft.com/office/drawing/2014/main" id="{95FFC804-0130-4A69-8CCB-436490D1CFFE}"/>
+          <p:cNvPr id="2" name="Заголовок 1">
+            <a:extLst>
+              <a:ext uri="{FF2B5EF4-FFF2-40B4-BE49-F238E27FC236}">
+                <a16:creationId xmlns:a16="http://schemas.microsoft.com/office/drawing/2014/main" id="{9C78FCB1-CB0F-84DE-791C-1606C63C0FA6}"/>
               </a:ext>
             </a:extLst>
           </p:cNvPr>
@@ -2515,19 +2501,18 @@
           </a:lstStyle>
           <a:p>
             <a:r>
-              <a:rPr lang="en-US"/>
-              <a:t>Click to edit Master title style</a:t>
-            </a:r>
-            <a:endParaRPr lang="ru-RU"/>
-          </a:p>
-        </p:txBody>
-      </p:sp>
-      <p:sp>
-        <p:nvSpPr>
-          <p:cNvPr id="3" name="Picture Placeholder 2">
-            <a:extLst>
-              <a:ext uri="{FF2B5EF4-FFF2-40B4-BE49-F238E27FC236}">
-                <a16:creationId xmlns:a16="http://schemas.microsoft.com/office/drawing/2014/main" id="{DA17FCC4-6AC9-4598-8CAC-F96421A929DF}"/>
+              <a:rPr lang="ru-RU"/>
+              <a:t>Образец заголовка</a:t>
+            </a:r>
+          </a:p>
+        </p:txBody>
+      </p:sp>
+      <p:sp>
+        <p:nvSpPr>
+          <p:cNvPr id="3" name="Рисунок 2">
+            <a:extLst>
+              <a:ext uri="{FF2B5EF4-FFF2-40B4-BE49-F238E27FC236}">
+                <a16:creationId xmlns:a16="http://schemas.microsoft.com/office/drawing/2014/main" id="{F30A02A7-1A6A-D999-84E1-D1B4FC45B167}"/>
               </a:ext>
             </a:extLst>
           </p:cNvPr>
@@ -2591,10 +2576,10 @@
       </p:sp>
       <p:sp>
         <p:nvSpPr>
-          <p:cNvPr id="4" name="Text Placeholder 3">
-            <a:extLst>
-              <a:ext uri="{FF2B5EF4-FFF2-40B4-BE49-F238E27FC236}">
-                <a16:creationId xmlns:a16="http://schemas.microsoft.com/office/drawing/2014/main" id="{B333E98D-2077-4A61-8563-0B8C290685EB}"/>
+          <p:cNvPr id="4" name="Текст 3">
+            <a:extLst>
+              <a:ext uri="{FF2B5EF4-FFF2-40B4-BE49-F238E27FC236}">
+                <a16:creationId xmlns:a16="http://schemas.microsoft.com/office/drawing/2014/main" id="{057D65B4-D611-EFEF-8192-CA7F362F6CE5}"/>
               </a:ext>
             </a:extLst>
           </p:cNvPr>
@@ -2654,18 +2639,18 @@
           <a:p>
             <a:pPr lvl="0"/>
             <a:r>
-              <a:rPr lang="en-US"/>
-              <a:t>Edit Master text styles</a:t>
-            </a:r>
-          </a:p>
-        </p:txBody>
-      </p:sp>
-      <p:sp>
-        <p:nvSpPr>
-          <p:cNvPr id="5" name="Date Placeholder 4">
-            <a:extLst>
-              <a:ext uri="{FF2B5EF4-FFF2-40B4-BE49-F238E27FC236}">
-                <a16:creationId xmlns:a16="http://schemas.microsoft.com/office/drawing/2014/main" id="{1F01EA42-A800-4E5B-8BD8-A40537F402F0}"/>
+              <a:rPr lang="ru-RU"/>
+              <a:t>Образец текста</a:t>
+            </a:r>
+          </a:p>
+        </p:txBody>
+      </p:sp>
+      <p:sp>
+        <p:nvSpPr>
+          <p:cNvPr id="5" name="Дата 4">
+            <a:extLst>
+              <a:ext uri="{FF2B5EF4-FFF2-40B4-BE49-F238E27FC236}">
+                <a16:creationId xmlns:a16="http://schemas.microsoft.com/office/drawing/2014/main" id="{87F47D56-CD44-AA52-4D2B-B0AC2BB524EF}"/>
               </a:ext>
             </a:extLst>
           </p:cNvPr>
@@ -2681,9 +2666,9 @@
           <a:bodyPr/>
           <a:lstStyle/>
           <a:p>
-            <a:fld id="{383AE468-257F-49B4-B662-2CCFF613538A}" type="datetimeFigureOut">
+            <a:fld id="{B04E5AB3-E7D1-F043-AF0F-9CB2CB2DDE52}" type="datetimeFigureOut">
               <a:rPr lang="ru-RU" smtClean="0"/>
-              <a:t>18.05.2018</a:t>
+              <a:t>10.06.2025</a:t>
             </a:fld>
             <a:endParaRPr lang="ru-RU"/>
           </a:p>
@@ -2691,10 +2676,10 @@
       </p:sp>
       <p:sp>
         <p:nvSpPr>
-          <p:cNvPr id="6" name="Footer Placeholder 5">
-            <a:extLst>
-              <a:ext uri="{FF2B5EF4-FFF2-40B4-BE49-F238E27FC236}">
-                <a16:creationId xmlns:a16="http://schemas.microsoft.com/office/drawing/2014/main" id="{E49ADB11-1DC6-4E7E-ADA3-E63A43A8CFBF}"/>
+          <p:cNvPr id="6" name="Нижний колонтитул 5">
+            <a:extLst>
+              <a:ext uri="{FF2B5EF4-FFF2-40B4-BE49-F238E27FC236}">
+                <a16:creationId xmlns:a16="http://schemas.microsoft.com/office/drawing/2014/main" id="{F543DC3B-5F77-B710-9E31-654E767B8F7D}"/>
               </a:ext>
             </a:extLst>
           </p:cNvPr>
@@ -2716,10 +2701,10 @@
       </p:sp>
       <p:sp>
         <p:nvSpPr>
-          <p:cNvPr id="7" name="Slide Number Placeholder 6">
-            <a:extLst>
-              <a:ext uri="{FF2B5EF4-FFF2-40B4-BE49-F238E27FC236}">
-                <a16:creationId xmlns:a16="http://schemas.microsoft.com/office/drawing/2014/main" id="{ADFC34AC-48BF-481A-921A-42C0A334C158}"/>
+          <p:cNvPr id="7" name="Номер слайда 6">
+            <a:extLst>
+              <a:ext uri="{FF2B5EF4-FFF2-40B4-BE49-F238E27FC236}">
+                <a16:creationId xmlns:a16="http://schemas.microsoft.com/office/drawing/2014/main" id="{4F93D406-A1A3-9A72-98A3-1F3CD58E82A1}"/>
               </a:ext>
             </a:extLst>
           </p:cNvPr>
@@ -2735,7 +2720,7 @@
           <a:bodyPr/>
           <a:lstStyle/>
           <a:p>
-            <a:fld id="{362894A7-704C-45E2-A6FE-7CBA176804A0}" type="slidenum">
+            <a:fld id="{F64DDBE7-A079-264A-A256-4D63F3E2258C}" type="slidenum">
               <a:rPr lang="ru-RU" smtClean="0"/>
               <a:t>‹#›</a:t>
             </a:fld>
@@ -2746,7 +2731,7 @@
     </p:spTree>
     <p:extLst>
       <p:ext uri="{BB962C8B-B14F-4D97-AF65-F5344CB8AC3E}">
-        <p14:creationId xmlns:p14="http://schemas.microsoft.com/office/powerpoint/2010/main" val="3599475822"/>
+        <p14:creationId xmlns:p14="http://schemas.microsoft.com/office/powerpoint/2010/main" val="218860225"/>
       </p:ext>
     </p:extLst>
   </p:cSld>
@@ -2780,10 +2765,10 @@
       </p:grpSpPr>
       <p:sp>
         <p:nvSpPr>
-          <p:cNvPr id="2" name="Title Placeholder 1">
-            <a:extLst>
-              <a:ext uri="{FF2B5EF4-FFF2-40B4-BE49-F238E27FC236}">
-                <a16:creationId xmlns:a16="http://schemas.microsoft.com/office/drawing/2014/main" id="{A5268288-530F-4918-86DC-E9E5A5C1C00D}"/>
+          <p:cNvPr id="2" name="Заголовок 1">
+            <a:extLst>
+              <a:ext uri="{FF2B5EF4-FFF2-40B4-BE49-F238E27FC236}">
+                <a16:creationId xmlns:a16="http://schemas.microsoft.com/office/drawing/2014/main" id="{6695BDCC-5834-6192-3EF7-F6D8FE24B27F}"/>
               </a:ext>
             </a:extLst>
           </p:cNvPr>
@@ -2810,19 +2795,18 @@
           <a:lstStyle/>
           <a:p>
             <a:r>
-              <a:rPr lang="en-US"/>
-              <a:t>Click to edit Master title style</a:t>
-            </a:r>
-            <a:endParaRPr lang="ru-RU"/>
-          </a:p>
-        </p:txBody>
-      </p:sp>
-      <p:sp>
-        <p:nvSpPr>
-          <p:cNvPr id="3" name="Text Placeholder 2">
-            <a:extLst>
-              <a:ext uri="{FF2B5EF4-FFF2-40B4-BE49-F238E27FC236}">
-                <a16:creationId xmlns:a16="http://schemas.microsoft.com/office/drawing/2014/main" id="{6A84E3BB-FF0E-4299-B022-BE2419E6257E}"/>
+              <a:rPr lang="ru-RU"/>
+              <a:t>Образец заголовка</a:t>
+            </a:r>
+          </a:p>
+        </p:txBody>
+      </p:sp>
+      <p:sp>
+        <p:nvSpPr>
+          <p:cNvPr id="3" name="Текст 2">
+            <a:extLst>
+              <a:ext uri="{FF2B5EF4-FFF2-40B4-BE49-F238E27FC236}">
+                <a16:creationId xmlns:a16="http://schemas.microsoft.com/office/drawing/2014/main" id="{53AE2495-3CD1-D2AD-9F32-0C87D5A37EB2}"/>
               </a:ext>
             </a:extLst>
           </p:cNvPr>
@@ -2850,47 +2834,46 @@
           <a:p>
             <a:pPr lvl="0"/>
             <a:r>
-              <a:rPr lang="en-US"/>
-              <a:t>Edit Master text styles</a:t>
+              <a:rPr lang="ru-RU"/>
+              <a:t>Образец текста</a:t>
             </a:r>
           </a:p>
           <a:p>
             <a:pPr lvl="1"/>
             <a:r>
-              <a:rPr lang="en-US"/>
-              <a:t>Second level</a:t>
+              <a:rPr lang="ru-RU"/>
+              <a:t>Второй уровень</a:t>
             </a:r>
           </a:p>
           <a:p>
             <a:pPr lvl="2"/>
             <a:r>
-              <a:rPr lang="en-US"/>
-              <a:t>Third level</a:t>
+              <a:rPr lang="ru-RU"/>
+              <a:t>Третий уровень</a:t>
             </a:r>
           </a:p>
           <a:p>
             <a:pPr lvl="3"/>
             <a:r>
-              <a:rPr lang="en-US"/>
-              <a:t>Fourth level</a:t>
+              <a:rPr lang="ru-RU"/>
+              <a:t>Четвертый уровень</a:t>
             </a:r>
           </a:p>
           <a:p>
             <a:pPr lvl="4"/>
             <a:r>
-              <a:rPr lang="en-US"/>
-              <a:t>Fifth level</a:t>
-            </a:r>
-            <a:endParaRPr lang="ru-RU"/>
-          </a:p>
-        </p:txBody>
-      </p:sp>
-      <p:sp>
-        <p:nvSpPr>
-          <p:cNvPr id="4" name="Date Placeholder 3">
-            <a:extLst>
-              <a:ext uri="{FF2B5EF4-FFF2-40B4-BE49-F238E27FC236}">
-                <a16:creationId xmlns:a16="http://schemas.microsoft.com/office/drawing/2014/main" id="{78AC4F30-4C5F-403A-AC6D-928FB3E275E0}"/>
+              <a:rPr lang="ru-RU"/>
+              <a:t>Пятый уровень</a:t>
+            </a:r>
+          </a:p>
+        </p:txBody>
+      </p:sp>
+      <p:sp>
+        <p:nvSpPr>
+          <p:cNvPr id="4" name="Дата 3">
+            <a:extLst>
+              <a:ext uri="{FF2B5EF4-FFF2-40B4-BE49-F238E27FC236}">
+                <a16:creationId xmlns:a16="http://schemas.microsoft.com/office/drawing/2014/main" id="{52449DC6-C03C-3A58-73C7-246ECC47C27B}"/>
               </a:ext>
             </a:extLst>
           </p:cNvPr>
@@ -2917,16 +2900,16 @@
               <a:defRPr sz="1200">
                 <a:solidFill>
                   <a:schemeClr val="tx1">
-                    <a:tint val="75000"/>
+                    <a:tint val="82000"/>
                   </a:schemeClr>
                 </a:solidFill>
               </a:defRPr>
             </a:lvl1pPr>
           </a:lstStyle>
           <a:p>
-            <a:fld id="{383AE468-257F-49B4-B662-2CCFF613538A}" type="datetimeFigureOut">
+            <a:fld id="{B04E5AB3-E7D1-F043-AF0F-9CB2CB2DDE52}" type="datetimeFigureOut">
               <a:rPr lang="ru-RU" smtClean="0"/>
-              <a:t>18.05.2018</a:t>
+              <a:t>10.06.2025</a:t>
             </a:fld>
             <a:endParaRPr lang="ru-RU"/>
           </a:p>
@@ -2934,10 +2917,10 @@
       </p:sp>
       <p:sp>
         <p:nvSpPr>
-          <p:cNvPr id="5" name="Footer Placeholder 4">
-            <a:extLst>
-              <a:ext uri="{FF2B5EF4-FFF2-40B4-BE49-F238E27FC236}">
-                <a16:creationId xmlns:a16="http://schemas.microsoft.com/office/drawing/2014/main" id="{ED2BAA4A-CE2E-4C28-B7D0-BE9A5B48462D}"/>
+          <p:cNvPr id="5" name="Нижний колонтитул 4">
+            <a:extLst>
+              <a:ext uri="{FF2B5EF4-FFF2-40B4-BE49-F238E27FC236}">
+                <a16:creationId xmlns:a16="http://schemas.microsoft.com/office/drawing/2014/main" id="{C68E501B-FA71-D09F-CD2B-FC1B62F5E0F7}"/>
               </a:ext>
             </a:extLst>
           </p:cNvPr>
@@ -2964,7 +2947,7 @@
               <a:defRPr sz="1200">
                 <a:solidFill>
                   <a:schemeClr val="tx1">
-                    <a:tint val="75000"/>
+                    <a:tint val="82000"/>
                   </a:schemeClr>
                 </a:solidFill>
               </a:defRPr>
@@ -2977,10 +2960,10 @@
       </p:sp>
       <p:sp>
         <p:nvSpPr>
-          <p:cNvPr id="6" name="Slide Number Placeholder 5">
-            <a:extLst>
-              <a:ext uri="{FF2B5EF4-FFF2-40B4-BE49-F238E27FC236}">
-                <a16:creationId xmlns:a16="http://schemas.microsoft.com/office/drawing/2014/main" id="{A92C28A2-0054-4B64-BC74-BDBC1553C70E}"/>
+          <p:cNvPr id="6" name="Номер слайда 5">
+            <a:extLst>
+              <a:ext uri="{FF2B5EF4-FFF2-40B4-BE49-F238E27FC236}">
+                <a16:creationId xmlns:a16="http://schemas.microsoft.com/office/drawing/2014/main" id="{EA47CE86-CC3B-C905-197F-436F24862D1F}"/>
               </a:ext>
             </a:extLst>
           </p:cNvPr>
@@ -3007,14 +2990,14 @@
               <a:defRPr sz="1200">
                 <a:solidFill>
                   <a:schemeClr val="tx1">
-                    <a:tint val="75000"/>
+                    <a:tint val="82000"/>
                   </a:schemeClr>
                 </a:solidFill>
               </a:defRPr>
             </a:lvl1pPr>
           </a:lstStyle>
           <a:p>
-            <a:fld id="{362894A7-704C-45E2-A6FE-7CBA176804A0}" type="slidenum">
+            <a:fld id="{F64DDBE7-A079-264A-A256-4D63F3E2258C}" type="slidenum">
               <a:rPr lang="ru-RU" smtClean="0"/>
               <a:t>‹#›</a:t>
             </a:fld>
@@ -3025,7 +3008,7 @@
     </p:spTree>
     <p:extLst>
       <p:ext uri="{BB962C8B-B14F-4D97-AF65-F5344CB8AC3E}">
-        <p14:creationId xmlns:p14="http://schemas.microsoft.com/office/powerpoint/2010/main" val="2594220521"/>
+        <p14:creationId xmlns:p14="http://schemas.microsoft.com/office/powerpoint/2010/main" val="321658562"/>
       </p:ext>
     </p:extLst>
   </p:cSld>
@@ -3345,10 +3328,10 @@
       </p:grpSpPr>
       <p:sp>
         <p:nvSpPr>
-          <p:cNvPr id="2" name="Title 1">
-            <a:extLst>
-              <a:ext uri="{FF2B5EF4-FFF2-40B4-BE49-F238E27FC236}">
-                <a16:creationId xmlns:a16="http://schemas.microsoft.com/office/drawing/2014/main" id="{2DC27CBC-6060-4DE3-BD37-94992661751A}"/>
+          <p:cNvPr id="2" name="Заголовок 1">
+            <a:extLst>
+              <a:ext uri="{FF2B5EF4-FFF2-40B4-BE49-F238E27FC236}">
+                <a16:creationId xmlns:a16="http://schemas.microsoft.com/office/drawing/2014/main" id="{BF581329-2472-EC4D-1305-45C5C6C16BC7}"/>
               </a:ext>
             </a:extLst>
           </p:cNvPr>
@@ -3364,16 +3347,27 @@
           <a:bodyPr/>
           <a:lstStyle/>
           <a:p>
+            <a:r>
+              <a:rPr lang="ru-RU" dirty="0"/>
+              <a:t>Декартово дерево</a:t>
+            </a:r>
+            <a:br>
+              <a:rPr lang="en-US" dirty="0"/>
+            </a:br>
+            <a:r>
+              <a:rPr lang="en-US" dirty="0"/>
+              <a:t>(Cartesian Tree)</a:t>
+            </a:r>
             <a:endParaRPr lang="ru-RU" dirty="0"/>
           </a:p>
         </p:txBody>
       </p:sp>
       <p:sp>
         <p:nvSpPr>
-          <p:cNvPr id="3" name="Subtitle 2">
-            <a:extLst>
-              <a:ext uri="{FF2B5EF4-FFF2-40B4-BE49-F238E27FC236}">
-                <a16:creationId xmlns:a16="http://schemas.microsoft.com/office/drawing/2014/main" id="{AC8EB322-529D-4D60-B5E4-BC65FB3D50F2}"/>
+          <p:cNvPr id="3" name="Подзаголовок 2">
+            <a:extLst>
+              <a:ext uri="{FF2B5EF4-FFF2-40B4-BE49-F238E27FC236}">
+                <a16:creationId xmlns:a16="http://schemas.microsoft.com/office/drawing/2014/main" id="{0AD5267A-D2C1-3274-BB97-A5EC58841AD7}"/>
               </a:ext>
             </a:extLst>
           </p:cNvPr>
@@ -3389,14 +3383,111 @@
           <a:bodyPr/>
           <a:lstStyle/>
           <a:p>
-            <a:endParaRPr lang="ru-RU" dirty="0"/>
-          </a:p>
-        </p:txBody>
-      </p:sp>
+            <a:r>
+              <a:rPr lang="ru-RU" dirty="0"/>
+              <a:t>Выполнил: Марданов Самир, гр. 11-401</a:t>
+            </a:r>
+          </a:p>
+        </p:txBody>
+      </p:sp>
+      <p:pic>
+        <p:nvPicPr>
+          <p:cNvPr id="1028" name="Picture 4" descr="Дерево Пнг Изображения – скачать бесплатно на Freepik">
+            <a:extLst>
+              <a:ext uri="{FF2B5EF4-FFF2-40B4-BE49-F238E27FC236}">
+                <a16:creationId xmlns:a16="http://schemas.microsoft.com/office/drawing/2014/main" id="{CD1E7E84-118E-1DE9-90C3-2812205961C4}"/>
+              </a:ext>
+            </a:extLst>
+          </p:cNvPr>
+          <p:cNvPicPr>
+            <a:picLocks noChangeAspect="1" noChangeArrowheads="1"/>
+          </p:cNvPicPr>
+          <p:nvPr/>
+        </p:nvPicPr>
+        <p:blipFill>
+          <a:blip r:embed="rId2">
+            <a:extLst>
+              <a:ext uri="{28A0092B-C50C-407E-A947-70E740481C1C}">
+                <a14:useLocalDpi xmlns:a14="http://schemas.microsoft.com/office/drawing/2010/main" val="0"/>
+              </a:ext>
+            </a:extLst>
+          </a:blip>
+          <a:srcRect/>
+          <a:stretch>
+            <a:fillRect/>
+          </a:stretch>
+        </p:blipFill>
+        <p:spPr bwMode="auto">
+          <a:xfrm>
+            <a:off x="4293671" y="4025396"/>
+            <a:ext cx="3604658" cy="2464807"/>
+          </a:xfrm>
+          <a:prstGeom prst="rect">
+            <a:avLst/>
+          </a:prstGeom>
+          <a:noFill/>
+          <a:extLst>
+            <a:ext uri="{909E8E84-426E-40DD-AFC4-6F175D3DCCD1}">
+              <a14:hiddenFill xmlns:a14="http://schemas.microsoft.com/office/drawing/2010/main">
+                <a:solidFill>
+                  <a:srgbClr val="FFFFFF"/>
+                </a:solidFill>
+              </a14:hiddenFill>
+            </a:ext>
+          </a:extLst>
+        </p:spPr>
+      </p:pic>
+      <p:pic>
+        <p:nvPicPr>
+          <p:cNvPr id="1030" name="Picture 6" descr="Декартова система координат – Бесплатные иконки: образование">
+            <a:extLst>
+              <a:ext uri="{FF2B5EF4-FFF2-40B4-BE49-F238E27FC236}">
+                <a16:creationId xmlns:a16="http://schemas.microsoft.com/office/drawing/2014/main" id="{DFFFBFDB-581E-9706-8489-FE71AD2207B4}"/>
+              </a:ext>
+            </a:extLst>
+          </p:cNvPr>
+          <p:cNvPicPr>
+            <a:picLocks noChangeAspect="1" noChangeArrowheads="1"/>
+          </p:cNvPicPr>
+          <p:nvPr/>
+        </p:nvPicPr>
+        <p:blipFill>
+          <a:blip r:embed="rId3">
+            <a:extLst>
+              <a:ext uri="{28A0092B-C50C-407E-A947-70E740481C1C}">
+                <a14:useLocalDpi xmlns:a14="http://schemas.microsoft.com/office/drawing/2010/main" val="0"/>
+              </a:ext>
+            </a:extLst>
+          </a:blip>
+          <a:srcRect/>
+          <a:stretch>
+            <a:fillRect/>
+          </a:stretch>
+        </p:blipFill>
+        <p:spPr bwMode="auto">
+          <a:xfrm>
+            <a:off x="4872340" y="4272049"/>
+            <a:ext cx="2447320" cy="2447320"/>
+          </a:xfrm>
+          <a:prstGeom prst="rect">
+            <a:avLst/>
+          </a:prstGeom>
+          <a:noFill/>
+          <a:extLst>
+            <a:ext uri="{909E8E84-426E-40DD-AFC4-6F175D3DCCD1}">
+              <a14:hiddenFill xmlns:a14="http://schemas.microsoft.com/office/drawing/2010/main">
+                <a:solidFill>
+                  <a:srgbClr val="FFFFFF"/>
+                </a:solidFill>
+              </a14:hiddenFill>
+            </a:ext>
+          </a:extLst>
+        </p:spPr>
+      </p:pic>
     </p:spTree>
     <p:extLst>
       <p:ext uri="{BB962C8B-B14F-4D97-AF65-F5344CB8AC3E}">
-        <p14:creationId xmlns:p14="http://schemas.microsoft.com/office/powerpoint/2010/main" val="598813352"/>
+        <p14:creationId xmlns:p14="http://schemas.microsoft.com/office/powerpoint/2010/main" val="615453925"/>
       </p:ext>
     </p:extLst>
   </p:cSld>
@@ -3425,10 +3516,10 @@
       </p:grpSpPr>
       <p:sp>
         <p:nvSpPr>
-          <p:cNvPr id="2" name="Title 1">
-            <a:extLst>
-              <a:ext uri="{FF2B5EF4-FFF2-40B4-BE49-F238E27FC236}">
-                <a16:creationId xmlns:a16="http://schemas.microsoft.com/office/drawing/2014/main" id="{3E481669-2765-4F07-8418-CE5BF213659F}"/>
+          <p:cNvPr id="2" name="Заголовок 1">
+            <a:extLst>
+              <a:ext uri="{FF2B5EF4-FFF2-40B4-BE49-F238E27FC236}">
+                <a16:creationId xmlns:a16="http://schemas.microsoft.com/office/drawing/2014/main" id="{925B6502-D88E-2C9A-F4B7-F0CFFC9D2353}"/>
               </a:ext>
             </a:extLst>
           </p:cNvPr>
@@ -3439,21 +3530,26 @@
             <p:ph type="title"/>
           </p:nvPr>
         </p:nvSpPr>
-        <p:spPr/>
-        <p:txBody>
-          <a:bodyPr/>
-          <a:lstStyle/>
-          <a:p>
-            <a:endParaRPr lang="ru-RU"/>
-          </a:p>
-        </p:txBody>
-      </p:sp>
-      <p:sp>
-        <p:nvSpPr>
-          <p:cNvPr id="3" name="Content Placeholder 2">
-            <a:extLst>
-              <a:ext uri="{FF2B5EF4-FFF2-40B4-BE49-F238E27FC236}">
-                <a16:creationId xmlns:a16="http://schemas.microsoft.com/office/drawing/2014/main" id="{972C526A-67D8-4C0D-8A79-76FB1797E42C}"/>
+        <p:spPr>
+          <a:xfrm>
+            <a:off x="1676400" y="6858000"/>
+            <a:ext cx="10515600" cy="1325563"/>
+          </a:xfrm>
+        </p:spPr>
+        <p:txBody>
+          <a:bodyPr/>
+          <a:lstStyle/>
+          <a:p>
+            <a:endParaRPr lang="ru-RU" dirty="0"/>
+          </a:p>
+        </p:txBody>
+      </p:sp>
+      <p:sp>
+        <p:nvSpPr>
+          <p:cNvPr id="3" name="Объект 2">
+            <a:extLst>
+              <a:ext uri="{FF2B5EF4-FFF2-40B4-BE49-F238E27FC236}">
+                <a16:creationId xmlns:a16="http://schemas.microsoft.com/office/drawing/2014/main" id="{C6E7EC83-C0A6-6837-2419-E3E5A03364C7}"/>
               </a:ext>
             </a:extLst>
           </p:cNvPr>
@@ -3464,86 +3560,883 @@
             <p:ph idx="1"/>
           </p:nvPr>
         </p:nvSpPr>
-        <p:spPr/>
-        <p:txBody>
-          <a:bodyPr>
-            <a:normAutofit fontScale="55000" lnSpcReduction="20000"/>
-          </a:bodyPr>
+        <p:spPr>
+          <a:xfrm>
+            <a:off x="838200" y="338348"/>
+            <a:ext cx="10515600" cy="4351338"/>
+          </a:xfrm>
+        </p:spPr>
+        <p:txBody>
+          <a:bodyPr/>
           <a:lstStyle/>
           <a:p>
             <a:r>
               <a:rPr lang="ru-RU" dirty="0"/>
-              <a:t>Творческая работа</a:t>
-            </a:r>
+              <a:t>Декартово дерево - структура данных, объединяющая свойства бинарного дерева поиска и двоичной кучи: </a:t>
+            </a:r>
+            <a:r>
+              <a:rPr lang="en-US" dirty="0" err="1"/>
+              <a:t>Treap</a:t>
+            </a:r>
+            <a:r>
+              <a:rPr lang="en-US" dirty="0"/>
+              <a:t> (Tree + Heap)</a:t>
+            </a:r>
+          </a:p>
+          <a:p>
+            <a:pPr marL="0" indent="0">
+              <a:buNone/>
+            </a:pPr>
+            <a:endParaRPr lang="en-US" dirty="0"/>
           </a:p>
           <a:p>
             <a:r>
               <a:rPr lang="ru-RU" dirty="0"/>
-              <a:t>Тема: «Морской секстант глазами современников»</a:t>
+              <a:t>Является бинарным деревом поиска по ключам.</a:t>
             </a:r>
           </a:p>
           <a:p>
             <a:r>
               <a:rPr lang="ru-RU" dirty="0"/>
-              <a:t>Атомный радиус, в том числе, недоступно отражает осадочный </a:t>
-            </a:r>
-            <a:r>
-              <a:rPr lang="ru-RU" dirty="0" err="1"/>
-              <a:t>ксантофильный</a:t>
-            </a:r>
-            <a:r>
-              <a:rPr lang="ru-RU" dirty="0"/>
-              <a:t> цикл. Делькредере случайно. Соединение, несмотря на некоторую вероятность дефолта, затрудняет случайный хтонический миф. Взаимодействие корпорации и клиента, вопреки мнению </a:t>
-            </a:r>
-            <a:r>
-              <a:rPr lang="ru-RU" dirty="0" err="1"/>
-              <a:t>П.Друкера</a:t>
-            </a:r>
-            <a:r>
-              <a:rPr lang="ru-RU" dirty="0"/>
-              <a:t>, переворачивает гидродинамический удар.</a:t>
-            </a:r>
-          </a:p>
-          <a:p>
-            <a:r>
-              <a:rPr lang="ru-RU" dirty="0"/>
-              <a:t>Газопылевое облако, следовательно, индуцирует креативный бур, что в общем свидетельствует о преобладании тектонических опусканий в это время. Потребительская культура отражает прагматический акцент, потому что именно здесь можно попасть из франкоязычной, валлонской части города во фламандскую. Наши  исследования  позволяют сделать  вывод  о  том, что механическая система прекрасно представляет собой вязкий краситель. Стоит отметить, что звукосниматель окисляет примитивный комплекс априорной бисексуальности, опираясь на опыт западных коллег. Очевидно, что конверсия аннигилирует урбанистический круговорот машин вокруг статуи Эроса. Наши  исследования  позволяют сделать  вывод  о  том, что фокусировка вызывает объект права одинаково по всем направлениям.</a:t>
-            </a:r>
-          </a:p>
-          <a:p>
-            <a:r>
-              <a:rPr lang="ru-RU" dirty="0"/>
-              <a:t>Представляется логичным, что коллективное бессознательное физически иллюстрирует Южный Треугольник, об этом свидетельствуют краткость и завершенность формы, бессюжетность, своеобразие тематического развертывания. </a:t>
-            </a:r>
-            <a:r>
-              <a:rPr lang="ru-RU" dirty="0" err="1"/>
-              <a:t>Енамин</a:t>
-            </a:r>
-            <a:r>
-              <a:rPr lang="ru-RU" dirty="0"/>
-              <a:t>, на первый взгляд, не входит своими составляющими, что очевидно, в силы </a:t>
-            </a:r>
-          </a:p>
-          <a:p>
-            <a:r>
-              <a:rPr lang="ru-RU" dirty="0"/>
-              <a:t>нормальных реакций связей, так же как и нормальный суд, учитывая опасность, которую представляли собой писания Дюринга для не окрепшего еще немецкого рабочего движения. Обязательство, анализируя результаты рекламной кампании, отталкивает растворитель. Закрепленная в данном пункте императивная норма указывает на то, что Южное полушарие восстанавливает заснеженный </a:t>
-            </a:r>
-            <a:r>
-              <a:rPr lang="ru-RU" dirty="0" err="1"/>
-              <a:t>хорус</a:t>
-            </a:r>
-            <a:r>
-              <a:rPr lang="ru-RU" dirty="0"/>
-              <a:t>. Тангаж изящно накладывает интеграл от переменной величины. Кимберлит очевиден.</a:t>
-            </a:r>
+              <a:t>Обладает свойствами двоичной кучи по приоритетам.</a:t>
+            </a:r>
+          </a:p>
+          <a:p>
+            <a:endParaRPr lang="ru-RU" dirty="0"/>
           </a:p>
         </p:txBody>
       </p:sp>
     </p:spTree>
     <p:extLst>
       <p:ext uri="{BB962C8B-B14F-4D97-AF65-F5344CB8AC3E}">
-        <p14:creationId xmlns:p14="http://schemas.microsoft.com/office/powerpoint/2010/main" val="805113911"/>
+        <p14:creationId xmlns:p14="http://schemas.microsoft.com/office/powerpoint/2010/main" val="809834913"/>
+      </p:ext>
+    </p:extLst>
+  </p:cSld>
+  <p:clrMapOvr>
+    <a:masterClrMapping/>
+  </p:clrMapOvr>
+</p:sld>
+</file>
+
+<file path=ppt/slides/slide3.xml><?xml version="1.0" encoding="utf-8"?>
+<p:sld xmlns:a="http://schemas.openxmlformats.org/drawingml/2006/main" xmlns:r="http://schemas.openxmlformats.org/officeDocument/2006/relationships" xmlns:p="http://schemas.openxmlformats.org/presentationml/2006/main">
+  <p:cSld>
+    <p:spTree>
+      <p:nvGrpSpPr>
+        <p:cNvPr id="1" name=""/>
+        <p:cNvGrpSpPr/>
+        <p:nvPr/>
+      </p:nvGrpSpPr>
+      <p:grpSpPr>
+        <a:xfrm>
+          <a:off x="0" y="0"/>
+          <a:ext cx="0" cy="0"/>
+          <a:chOff x="0" y="0"/>
+          <a:chExt cx="0" cy="0"/>
+        </a:xfrm>
+      </p:grpSpPr>
+      <p:sp>
+        <p:nvSpPr>
+          <p:cNvPr id="2" name="Заголовок 1">
+            <a:extLst>
+              <a:ext uri="{FF2B5EF4-FFF2-40B4-BE49-F238E27FC236}">
+                <a16:creationId xmlns:a16="http://schemas.microsoft.com/office/drawing/2014/main" id="{433CFBEE-D682-2ED3-EF17-EB48A3518B64}"/>
+              </a:ext>
+            </a:extLst>
+          </p:cNvPr>
+          <p:cNvSpPr>
+            <a:spLocks noGrp="1"/>
+          </p:cNvSpPr>
+          <p:nvPr>
+            <p:ph type="title"/>
+          </p:nvPr>
+        </p:nvSpPr>
+        <p:spPr/>
+        <p:txBody>
+          <a:bodyPr/>
+          <a:lstStyle/>
+          <a:p>
+            <a:r>
+              <a:rPr lang="ru-RU" dirty="0"/>
+              <a:t>Основные свойства</a:t>
+            </a:r>
+          </a:p>
+        </p:txBody>
+      </p:sp>
+      <p:sp>
+        <p:nvSpPr>
+          <p:cNvPr id="3" name="Объект 2">
+            <a:extLst>
+              <a:ext uri="{FF2B5EF4-FFF2-40B4-BE49-F238E27FC236}">
+                <a16:creationId xmlns:a16="http://schemas.microsoft.com/office/drawing/2014/main" id="{FD63F315-236E-A79B-C1BD-50B47D52CC1A}"/>
+              </a:ext>
+            </a:extLst>
+          </p:cNvPr>
+          <p:cNvSpPr>
+            <a:spLocks noGrp="1"/>
+          </p:cNvSpPr>
+          <p:nvPr>
+            <p:ph idx="1"/>
+          </p:nvPr>
+        </p:nvSpPr>
+        <p:spPr/>
+        <p:txBody>
+          <a:bodyPr/>
+          <a:lstStyle/>
+          <a:p>
+            <a:r>
+              <a:rPr lang="ru-RU" dirty="0"/>
+              <a:t>Левый ребёнок имеет ключ ≤ родителя.</a:t>
+            </a:r>
+          </a:p>
+          <a:p>
+            <a:r>
+              <a:rPr lang="ru-RU" dirty="0"/>
+              <a:t>Правый ребёнок имеет ключ &gt; родителя.</a:t>
+            </a:r>
+          </a:p>
+          <a:p>
+            <a:r>
+              <a:rPr lang="ru-RU" dirty="0"/>
+              <a:t>Приоритет каждого ребёнка ≤ приоритета родителя.</a:t>
+            </a:r>
+          </a:p>
+          <a:p>
+            <a:pPr marL="0" indent="0">
+              <a:buNone/>
+            </a:pPr>
+            <a:endParaRPr lang="ru-RU" dirty="0"/>
+          </a:p>
+        </p:txBody>
+      </p:sp>
+    </p:spTree>
+    <p:extLst>
+      <p:ext uri="{BB962C8B-B14F-4D97-AF65-F5344CB8AC3E}">
+        <p14:creationId xmlns:p14="http://schemas.microsoft.com/office/powerpoint/2010/main" val="1480102024"/>
+      </p:ext>
+    </p:extLst>
+  </p:cSld>
+  <p:clrMapOvr>
+    <a:masterClrMapping/>
+  </p:clrMapOvr>
+</p:sld>
+</file>
+
+<file path=ppt/slides/slide4.xml><?xml version="1.0" encoding="utf-8"?>
+<p:sld xmlns:a="http://schemas.openxmlformats.org/drawingml/2006/main" xmlns:r="http://schemas.openxmlformats.org/officeDocument/2006/relationships" xmlns:p="http://schemas.openxmlformats.org/presentationml/2006/main">
+  <p:cSld>
+    <p:spTree>
+      <p:nvGrpSpPr>
+        <p:cNvPr id="1" name=""/>
+        <p:cNvGrpSpPr/>
+        <p:nvPr/>
+      </p:nvGrpSpPr>
+      <p:grpSpPr>
+        <a:xfrm>
+          <a:off x="0" y="0"/>
+          <a:ext cx="0" cy="0"/>
+          <a:chOff x="0" y="0"/>
+          <a:chExt cx="0" cy="0"/>
+        </a:xfrm>
+      </p:grpSpPr>
+      <p:sp>
+        <p:nvSpPr>
+          <p:cNvPr id="2" name="Заголовок 1">
+            <a:extLst>
+              <a:ext uri="{FF2B5EF4-FFF2-40B4-BE49-F238E27FC236}">
+                <a16:creationId xmlns:a16="http://schemas.microsoft.com/office/drawing/2014/main" id="{2D5059A3-92BE-C04B-AE3A-A21E2384DB12}"/>
+              </a:ext>
+            </a:extLst>
+          </p:cNvPr>
+          <p:cNvSpPr>
+            <a:spLocks noGrp="1"/>
+          </p:cNvSpPr>
+          <p:nvPr>
+            <p:ph type="title"/>
+          </p:nvPr>
+        </p:nvSpPr>
+        <p:spPr/>
+        <p:txBody>
+          <a:bodyPr/>
+          <a:lstStyle/>
+          <a:p>
+            <a:r>
+              <a:rPr lang="ru-RU" dirty="0"/>
+              <a:t>Построение декартова дерева</a:t>
+            </a:r>
+          </a:p>
+        </p:txBody>
+      </p:sp>
+      <p:sp>
+        <p:nvSpPr>
+          <p:cNvPr id="3" name="Объект 2">
+            <a:extLst>
+              <a:ext uri="{FF2B5EF4-FFF2-40B4-BE49-F238E27FC236}">
+                <a16:creationId xmlns:a16="http://schemas.microsoft.com/office/drawing/2014/main" id="{7AFB3A6B-9287-C44C-DA67-0B17895681A8}"/>
+              </a:ext>
+            </a:extLst>
+          </p:cNvPr>
+          <p:cNvSpPr>
+            <a:spLocks noGrp="1"/>
+          </p:cNvSpPr>
+          <p:nvPr>
+            <p:ph idx="1"/>
+          </p:nvPr>
+        </p:nvSpPr>
+        <p:spPr/>
+        <p:txBody>
+          <a:bodyPr/>
+          <a:lstStyle/>
+          <a:p>
+            <a:r>
+              <a:rPr lang="ru-RU" dirty="0"/>
+              <a:t>Сортируем узлы по ключу (если не отсортированы).</a:t>
+            </a:r>
+          </a:p>
+          <a:p>
+            <a:r>
+              <a:rPr lang="ru-RU" dirty="0"/>
+              <a:t>Рекурсивно выбираем узел с максимальным приоритетом как корень.</a:t>
+            </a:r>
+          </a:p>
+          <a:p>
+            <a:r>
+              <a:rPr lang="ru-RU" dirty="0"/>
+              <a:t>Левые и правые поддеревья строим аналогично.</a:t>
+            </a:r>
+          </a:p>
+          <a:p>
+            <a:endParaRPr lang="ru-RU" dirty="0"/>
+          </a:p>
+        </p:txBody>
+      </p:sp>
+      <p:pic>
+        <p:nvPicPr>
+          <p:cNvPr id="2050" name="Picture 2" descr="Декартово дерево - Структуры данных">
+            <a:extLst>
+              <a:ext uri="{FF2B5EF4-FFF2-40B4-BE49-F238E27FC236}">
+                <a16:creationId xmlns:a16="http://schemas.microsoft.com/office/drawing/2014/main" id="{CB02A2E4-E5DA-82DA-E995-98EA4E7CAB67}"/>
+              </a:ext>
+            </a:extLst>
+          </p:cNvPr>
+          <p:cNvPicPr>
+            <a:picLocks noChangeAspect="1" noChangeArrowheads="1"/>
+          </p:cNvPicPr>
+          <p:nvPr/>
+        </p:nvPicPr>
+        <p:blipFill>
+          <a:blip r:embed="rId2">
+            <a:extLst>
+              <a:ext uri="{28A0092B-C50C-407E-A947-70E740481C1C}">
+                <a14:useLocalDpi xmlns:a14="http://schemas.microsoft.com/office/drawing/2010/main" val="0"/>
+              </a:ext>
+            </a:extLst>
+          </a:blip>
+          <a:srcRect/>
+          <a:stretch>
+            <a:fillRect/>
+          </a:stretch>
+        </p:blipFill>
+        <p:spPr bwMode="auto">
+          <a:xfrm>
+            <a:off x="8197161" y="3583235"/>
+            <a:ext cx="3778174" cy="3154775"/>
+          </a:xfrm>
+          <a:prstGeom prst="rect">
+            <a:avLst/>
+          </a:prstGeom>
+          <a:noFill/>
+          <a:extLst>
+            <a:ext uri="{909E8E84-426E-40DD-AFC4-6F175D3DCCD1}">
+              <a14:hiddenFill xmlns:a14="http://schemas.microsoft.com/office/drawing/2010/main">
+                <a:solidFill>
+                  <a:srgbClr val="FFFFFF"/>
+                </a:solidFill>
+              </a14:hiddenFill>
+            </a:ext>
+          </a:extLst>
+        </p:spPr>
+      </p:pic>
+    </p:spTree>
+    <p:extLst>
+      <p:ext uri="{BB962C8B-B14F-4D97-AF65-F5344CB8AC3E}">
+        <p14:creationId xmlns:p14="http://schemas.microsoft.com/office/powerpoint/2010/main" val="29735307"/>
+      </p:ext>
+    </p:extLst>
+  </p:cSld>
+  <p:clrMapOvr>
+    <a:masterClrMapping/>
+  </p:clrMapOvr>
+</p:sld>
+</file>
+
+<file path=ppt/slides/slide5.xml><?xml version="1.0" encoding="utf-8"?>
+<p:sld xmlns:a="http://schemas.openxmlformats.org/drawingml/2006/main" xmlns:r="http://schemas.openxmlformats.org/officeDocument/2006/relationships" xmlns:p="http://schemas.openxmlformats.org/presentationml/2006/main">
+  <p:cSld>
+    <p:spTree>
+      <p:nvGrpSpPr>
+        <p:cNvPr id="1" name=""/>
+        <p:cNvGrpSpPr/>
+        <p:nvPr/>
+      </p:nvGrpSpPr>
+      <p:grpSpPr>
+        <a:xfrm>
+          <a:off x="0" y="0"/>
+          <a:ext cx="0" cy="0"/>
+          <a:chOff x="0" y="0"/>
+          <a:chExt cx="0" cy="0"/>
+        </a:xfrm>
+      </p:grpSpPr>
+      <p:sp>
+        <p:nvSpPr>
+          <p:cNvPr id="2" name="Заголовок 1">
+            <a:extLst>
+              <a:ext uri="{FF2B5EF4-FFF2-40B4-BE49-F238E27FC236}">
+                <a16:creationId xmlns:a16="http://schemas.microsoft.com/office/drawing/2014/main" id="{B8DE6285-F55A-3B30-FAAC-E264D324062D}"/>
+              </a:ext>
+            </a:extLst>
+          </p:cNvPr>
+          <p:cNvSpPr>
+            <a:spLocks noGrp="1"/>
+          </p:cNvSpPr>
+          <p:nvPr>
+            <p:ph type="title"/>
+          </p:nvPr>
+        </p:nvSpPr>
+        <p:spPr/>
+        <p:txBody>
+          <a:bodyPr/>
+          <a:lstStyle/>
+          <a:p>
+            <a:r>
+              <a:rPr lang="ru-RU" dirty="0"/>
+              <a:t>Операции в декартовом дереве</a:t>
+            </a:r>
+          </a:p>
+        </p:txBody>
+      </p:sp>
+      <p:graphicFrame>
+        <p:nvGraphicFramePr>
+          <p:cNvPr id="4" name="Объект 3">
+            <a:extLst>
+              <a:ext uri="{FF2B5EF4-FFF2-40B4-BE49-F238E27FC236}">
+                <a16:creationId xmlns:a16="http://schemas.microsoft.com/office/drawing/2014/main" id="{4D0671D6-F7A8-DB7B-4149-0989CCC8CEC3}"/>
+              </a:ext>
+            </a:extLst>
+          </p:cNvPr>
+          <p:cNvGraphicFramePr>
+            <a:graphicFrameLocks noGrp="1"/>
+          </p:cNvGraphicFramePr>
+          <p:nvPr>
+            <p:ph idx="1"/>
+            <p:extLst>
+              <p:ext uri="{D42A27DB-BD31-4B8C-83A1-F6EECF244321}">
+                <p14:modId xmlns:p14="http://schemas.microsoft.com/office/powerpoint/2010/main" val="3871495669"/>
+              </p:ext>
+            </p:extLst>
+          </p:nvPr>
+        </p:nvGraphicFramePr>
+        <p:xfrm>
+          <a:off x="838200" y="2019064"/>
+          <a:ext cx="8030378" cy="3643605"/>
+        </p:xfrm>
+        <a:graphic>
+          <a:graphicData uri="http://schemas.openxmlformats.org/drawingml/2006/table">
+            <a:tbl>
+              <a:tblPr firstRow="1" firstCol="1" bandRow="1">
+                <a:tableStyleId>{5C22544A-7EE6-4342-B048-85BDC9FD1C3A}</a:tableStyleId>
+              </a:tblPr>
+              <a:tblGrid>
+                <a:gridCol w="1901898">
+                  <a:extLst>
+                    <a:ext uri="{9D8B030D-6E8A-4147-A177-3AD203B41FA5}">
+                      <a16:colId xmlns:a16="http://schemas.microsoft.com/office/drawing/2014/main" val="2440969245"/>
+                    </a:ext>
+                  </a:extLst>
+                </a:gridCol>
+                <a:gridCol w="3064240">
+                  <a:extLst>
+                    <a:ext uri="{9D8B030D-6E8A-4147-A177-3AD203B41FA5}">
+                      <a16:colId xmlns:a16="http://schemas.microsoft.com/office/drawing/2014/main" val="1375990683"/>
+                    </a:ext>
+                  </a:extLst>
+                </a:gridCol>
+                <a:gridCol w="3064240">
+                  <a:extLst>
+                    <a:ext uri="{9D8B030D-6E8A-4147-A177-3AD203B41FA5}">
+                      <a16:colId xmlns:a16="http://schemas.microsoft.com/office/drawing/2014/main" val="337780813"/>
+                    </a:ext>
+                  </a:extLst>
+                </a:gridCol>
+              </a:tblGrid>
+              <a:tr h="1313782">
+                <a:tc>
+                  <a:txBody>
+                    <a:bodyPr/>
+                    <a:lstStyle/>
+                    <a:p>
+                      <a:pPr algn="ctr">
+                        <a:lnSpc>
+                          <a:spcPct val="107000"/>
+                        </a:lnSpc>
+                        <a:spcAft>
+                          <a:spcPts val="800"/>
+                        </a:spcAft>
+                      </a:pPr>
+                      <a:r>
+                        <a:rPr lang="ru-RU" sz="2400" dirty="0">
+                          <a:effectLst/>
+                        </a:rPr>
+                        <a:t>Операции</a:t>
+                      </a:r>
+                      <a:endParaRPr lang="ru-RU" sz="2400" dirty="0">
+                        <a:effectLst/>
+                        <a:latin typeface="Calibri" panose="020F0502020204030204" pitchFamily="34" charset="0"/>
+                        <a:ea typeface="Calibri" panose="020F0502020204030204" pitchFamily="34" charset="0"/>
+                        <a:cs typeface="Times New Roman" panose="02020603050405020304" pitchFamily="18" charset="0"/>
+                      </a:endParaRPr>
+                    </a:p>
+                  </a:txBody>
+                  <a:tcPr marL="68580" marR="68580" marT="0" marB="0"/>
+                </a:tc>
+                <a:tc>
+                  <a:txBody>
+                    <a:bodyPr/>
+                    <a:lstStyle/>
+                    <a:p>
+                      <a:pPr algn="ctr">
+                        <a:lnSpc>
+                          <a:spcPct val="107000"/>
+                        </a:lnSpc>
+                        <a:spcAft>
+                          <a:spcPts val="800"/>
+                        </a:spcAft>
+                      </a:pPr>
+                      <a:r>
+                        <a:rPr lang="ru-RU" sz="2400" dirty="0">
+                          <a:effectLst/>
+                        </a:rPr>
+                        <a:t>Среднее значение</a:t>
+                      </a:r>
+                      <a:endParaRPr lang="ru-RU" sz="2400" dirty="0">
+                        <a:effectLst/>
+                        <a:latin typeface="Calibri" panose="020F0502020204030204" pitchFamily="34" charset="0"/>
+                        <a:ea typeface="Calibri" panose="020F0502020204030204" pitchFamily="34" charset="0"/>
+                        <a:cs typeface="Times New Roman" panose="02020603050405020304" pitchFamily="18" charset="0"/>
+                      </a:endParaRPr>
+                    </a:p>
+                  </a:txBody>
+                  <a:tcPr marL="68580" marR="68580" marT="0" marB="0"/>
+                </a:tc>
+                <a:tc>
+                  <a:txBody>
+                    <a:bodyPr/>
+                    <a:lstStyle/>
+                    <a:p>
+                      <a:pPr algn="ctr">
+                        <a:lnSpc>
+                          <a:spcPct val="107000"/>
+                        </a:lnSpc>
+                        <a:spcAft>
+                          <a:spcPts val="800"/>
+                        </a:spcAft>
+                      </a:pPr>
+                      <a:r>
+                        <a:rPr lang="ru-RU" sz="2400">
+                          <a:effectLst/>
+                        </a:rPr>
+                        <a:t>В худшем случае</a:t>
+                      </a:r>
+                      <a:endParaRPr lang="ru-RU" sz="2400">
+                        <a:effectLst/>
+                        <a:latin typeface="Calibri" panose="020F0502020204030204" pitchFamily="34" charset="0"/>
+                        <a:ea typeface="Calibri" panose="020F0502020204030204" pitchFamily="34" charset="0"/>
+                        <a:cs typeface="Times New Roman" panose="02020603050405020304" pitchFamily="18" charset="0"/>
+                      </a:endParaRPr>
+                    </a:p>
+                  </a:txBody>
+                  <a:tcPr marL="68580" marR="68580" marT="0" marB="0"/>
+                </a:tc>
+                <a:extLst>
+                  <a:ext uri="{0D108BD9-81ED-4DB2-BD59-A6C34878D82A}">
+                    <a16:rowId xmlns:a16="http://schemas.microsoft.com/office/drawing/2014/main" val="1615775967"/>
+                  </a:ext>
+                </a:extLst>
+              </a:tr>
+              <a:tr h="800179">
+                <a:tc>
+                  <a:txBody>
+                    <a:bodyPr/>
+                    <a:lstStyle/>
+                    <a:p>
+                      <a:pPr algn="ctr">
+                        <a:lnSpc>
+                          <a:spcPct val="107000"/>
+                        </a:lnSpc>
+                        <a:spcAft>
+                          <a:spcPts val="800"/>
+                        </a:spcAft>
+                      </a:pPr>
+                      <a:r>
+                        <a:rPr lang="ru-RU" sz="2400">
+                          <a:effectLst/>
+                        </a:rPr>
+                        <a:t>Поиск</a:t>
+                      </a:r>
+                      <a:endParaRPr lang="ru-RU" sz="2400">
+                        <a:effectLst/>
+                        <a:latin typeface="Calibri" panose="020F0502020204030204" pitchFamily="34" charset="0"/>
+                        <a:ea typeface="Calibri" panose="020F0502020204030204" pitchFamily="34" charset="0"/>
+                        <a:cs typeface="Times New Roman" panose="02020603050405020304" pitchFamily="18" charset="0"/>
+                      </a:endParaRPr>
+                    </a:p>
+                  </a:txBody>
+                  <a:tcPr marL="68580" marR="68580" marT="0" marB="0"/>
+                </a:tc>
+                <a:tc>
+                  <a:txBody>
+                    <a:bodyPr/>
+                    <a:lstStyle/>
+                    <a:p>
+                      <a:pPr algn="ctr">
+                        <a:lnSpc>
+                          <a:spcPct val="107000"/>
+                        </a:lnSpc>
+                        <a:spcAft>
+                          <a:spcPts val="800"/>
+                        </a:spcAft>
+                      </a:pPr>
+                      <a:r>
+                        <a:rPr lang="en-US" sz="2400">
+                          <a:effectLst/>
+                        </a:rPr>
+                        <a:t>O(logn)</a:t>
+                      </a:r>
+                      <a:endParaRPr lang="ru-RU" sz="2400">
+                        <a:effectLst/>
+                        <a:latin typeface="Calibri" panose="020F0502020204030204" pitchFamily="34" charset="0"/>
+                        <a:ea typeface="Calibri" panose="020F0502020204030204" pitchFamily="34" charset="0"/>
+                        <a:cs typeface="Times New Roman" panose="02020603050405020304" pitchFamily="18" charset="0"/>
+                      </a:endParaRPr>
+                    </a:p>
+                  </a:txBody>
+                  <a:tcPr marL="68580" marR="68580" marT="0" marB="0"/>
+                </a:tc>
+                <a:tc>
+                  <a:txBody>
+                    <a:bodyPr/>
+                    <a:lstStyle/>
+                    <a:p>
+                      <a:pPr algn="ctr">
+                        <a:lnSpc>
+                          <a:spcPct val="107000"/>
+                        </a:lnSpc>
+                        <a:spcAft>
+                          <a:spcPts val="800"/>
+                        </a:spcAft>
+                      </a:pPr>
+                      <a:r>
+                        <a:rPr lang="en-US" sz="2400">
+                          <a:effectLst/>
+                        </a:rPr>
+                        <a:t>O(n)</a:t>
+                      </a:r>
+                      <a:endParaRPr lang="ru-RU" sz="2400">
+                        <a:effectLst/>
+                        <a:latin typeface="Calibri" panose="020F0502020204030204" pitchFamily="34" charset="0"/>
+                        <a:ea typeface="Calibri" panose="020F0502020204030204" pitchFamily="34" charset="0"/>
+                        <a:cs typeface="Times New Roman" panose="02020603050405020304" pitchFamily="18" charset="0"/>
+                      </a:endParaRPr>
+                    </a:p>
+                  </a:txBody>
+                  <a:tcPr marL="68580" marR="68580" marT="0" marB="0"/>
+                </a:tc>
+                <a:extLst>
+                  <a:ext uri="{0D108BD9-81ED-4DB2-BD59-A6C34878D82A}">
+                    <a16:rowId xmlns:a16="http://schemas.microsoft.com/office/drawing/2014/main" val="218064990"/>
+                  </a:ext>
+                </a:extLst>
+              </a:tr>
+              <a:tr h="764822">
+                <a:tc>
+                  <a:txBody>
+                    <a:bodyPr/>
+                    <a:lstStyle/>
+                    <a:p>
+                      <a:pPr algn="ctr">
+                        <a:lnSpc>
+                          <a:spcPct val="107000"/>
+                        </a:lnSpc>
+                        <a:spcAft>
+                          <a:spcPts val="800"/>
+                        </a:spcAft>
+                      </a:pPr>
+                      <a:r>
+                        <a:rPr lang="ru-RU" sz="2400">
+                          <a:effectLst/>
+                        </a:rPr>
+                        <a:t>Вставка</a:t>
+                      </a:r>
+                      <a:endParaRPr lang="ru-RU" sz="2400">
+                        <a:effectLst/>
+                        <a:latin typeface="Calibri" panose="020F0502020204030204" pitchFamily="34" charset="0"/>
+                        <a:ea typeface="Calibri" panose="020F0502020204030204" pitchFamily="34" charset="0"/>
+                        <a:cs typeface="Times New Roman" panose="02020603050405020304" pitchFamily="18" charset="0"/>
+                      </a:endParaRPr>
+                    </a:p>
+                  </a:txBody>
+                  <a:tcPr marL="68580" marR="68580" marT="0" marB="0"/>
+                </a:tc>
+                <a:tc>
+                  <a:txBody>
+                    <a:bodyPr/>
+                    <a:lstStyle/>
+                    <a:p>
+                      <a:pPr algn="ctr">
+                        <a:lnSpc>
+                          <a:spcPct val="107000"/>
+                        </a:lnSpc>
+                        <a:spcAft>
+                          <a:spcPts val="800"/>
+                        </a:spcAft>
+                      </a:pPr>
+                      <a:r>
+                        <a:rPr lang="en-US" sz="2400">
+                          <a:effectLst/>
+                        </a:rPr>
+                        <a:t>O(logn)</a:t>
+                      </a:r>
+                      <a:endParaRPr lang="ru-RU" sz="2400">
+                        <a:effectLst/>
+                        <a:latin typeface="Calibri" panose="020F0502020204030204" pitchFamily="34" charset="0"/>
+                        <a:ea typeface="Calibri" panose="020F0502020204030204" pitchFamily="34" charset="0"/>
+                        <a:cs typeface="Times New Roman" panose="02020603050405020304" pitchFamily="18" charset="0"/>
+                      </a:endParaRPr>
+                    </a:p>
+                  </a:txBody>
+                  <a:tcPr marL="68580" marR="68580" marT="0" marB="0"/>
+                </a:tc>
+                <a:tc>
+                  <a:txBody>
+                    <a:bodyPr/>
+                    <a:lstStyle/>
+                    <a:p>
+                      <a:pPr algn="ctr">
+                        <a:lnSpc>
+                          <a:spcPct val="107000"/>
+                        </a:lnSpc>
+                        <a:spcAft>
+                          <a:spcPts val="800"/>
+                        </a:spcAft>
+                      </a:pPr>
+                      <a:r>
+                        <a:rPr lang="en-US" sz="2400">
+                          <a:effectLst/>
+                        </a:rPr>
+                        <a:t>O(n)</a:t>
+                      </a:r>
+                      <a:endParaRPr lang="ru-RU" sz="2400">
+                        <a:effectLst/>
+                        <a:latin typeface="Calibri" panose="020F0502020204030204" pitchFamily="34" charset="0"/>
+                        <a:ea typeface="Calibri" panose="020F0502020204030204" pitchFamily="34" charset="0"/>
+                        <a:cs typeface="Times New Roman" panose="02020603050405020304" pitchFamily="18" charset="0"/>
+                      </a:endParaRPr>
+                    </a:p>
+                  </a:txBody>
+                  <a:tcPr marL="68580" marR="68580" marT="0" marB="0"/>
+                </a:tc>
+                <a:extLst>
+                  <a:ext uri="{0D108BD9-81ED-4DB2-BD59-A6C34878D82A}">
+                    <a16:rowId xmlns:a16="http://schemas.microsoft.com/office/drawing/2014/main" val="3617370277"/>
+                  </a:ext>
+                </a:extLst>
+              </a:tr>
+              <a:tr h="764822">
+                <a:tc>
+                  <a:txBody>
+                    <a:bodyPr/>
+                    <a:lstStyle/>
+                    <a:p>
+                      <a:pPr algn="ctr">
+                        <a:lnSpc>
+                          <a:spcPct val="107000"/>
+                        </a:lnSpc>
+                        <a:spcAft>
+                          <a:spcPts val="800"/>
+                        </a:spcAft>
+                      </a:pPr>
+                      <a:r>
+                        <a:rPr lang="ru-RU" sz="2400">
+                          <a:effectLst/>
+                        </a:rPr>
+                        <a:t>Удаление</a:t>
+                      </a:r>
+                      <a:endParaRPr lang="ru-RU" sz="2400">
+                        <a:effectLst/>
+                        <a:latin typeface="Calibri" panose="020F0502020204030204" pitchFamily="34" charset="0"/>
+                        <a:ea typeface="Calibri" panose="020F0502020204030204" pitchFamily="34" charset="0"/>
+                        <a:cs typeface="Times New Roman" panose="02020603050405020304" pitchFamily="18" charset="0"/>
+                      </a:endParaRPr>
+                    </a:p>
+                  </a:txBody>
+                  <a:tcPr marL="68580" marR="68580" marT="0" marB="0"/>
+                </a:tc>
+                <a:tc>
+                  <a:txBody>
+                    <a:bodyPr/>
+                    <a:lstStyle/>
+                    <a:p>
+                      <a:pPr algn="ctr">
+                        <a:lnSpc>
+                          <a:spcPct val="107000"/>
+                        </a:lnSpc>
+                        <a:spcAft>
+                          <a:spcPts val="800"/>
+                        </a:spcAft>
+                      </a:pPr>
+                      <a:r>
+                        <a:rPr lang="en-US" sz="2400">
+                          <a:effectLst/>
+                        </a:rPr>
+                        <a:t>O(logn)</a:t>
+                      </a:r>
+                      <a:endParaRPr lang="ru-RU" sz="2400">
+                        <a:effectLst/>
+                        <a:latin typeface="Calibri" panose="020F0502020204030204" pitchFamily="34" charset="0"/>
+                        <a:ea typeface="Calibri" panose="020F0502020204030204" pitchFamily="34" charset="0"/>
+                        <a:cs typeface="Times New Roman" panose="02020603050405020304" pitchFamily="18" charset="0"/>
+                      </a:endParaRPr>
+                    </a:p>
+                  </a:txBody>
+                  <a:tcPr marL="68580" marR="68580" marT="0" marB="0"/>
+                </a:tc>
+                <a:tc>
+                  <a:txBody>
+                    <a:bodyPr/>
+                    <a:lstStyle/>
+                    <a:p>
+                      <a:pPr algn="ctr">
+                        <a:lnSpc>
+                          <a:spcPct val="107000"/>
+                        </a:lnSpc>
+                        <a:spcAft>
+                          <a:spcPts val="800"/>
+                        </a:spcAft>
+                      </a:pPr>
+                      <a:r>
+                        <a:rPr lang="en-US" sz="2400" dirty="0">
+                          <a:effectLst/>
+                        </a:rPr>
+                        <a:t>O(n)</a:t>
+                      </a:r>
+                      <a:endParaRPr lang="ru-RU" sz="2400" dirty="0">
+                        <a:effectLst/>
+                        <a:latin typeface="Calibri" panose="020F0502020204030204" pitchFamily="34" charset="0"/>
+                        <a:ea typeface="Calibri" panose="020F0502020204030204" pitchFamily="34" charset="0"/>
+                        <a:cs typeface="Times New Roman" panose="02020603050405020304" pitchFamily="18" charset="0"/>
+                      </a:endParaRPr>
+                    </a:p>
+                  </a:txBody>
+                  <a:tcPr marL="68580" marR="68580" marT="0" marB="0"/>
+                </a:tc>
+                <a:extLst>
+                  <a:ext uri="{0D108BD9-81ED-4DB2-BD59-A6C34878D82A}">
+                    <a16:rowId xmlns:a16="http://schemas.microsoft.com/office/drawing/2014/main" val="1278579281"/>
+                  </a:ext>
+                </a:extLst>
+              </a:tr>
+            </a:tbl>
+          </a:graphicData>
+        </a:graphic>
+      </p:graphicFrame>
+    </p:spTree>
+    <p:extLst>
+      <p:ext uri="{BB962C8B-B14F-4D97-AF65-F5344CB8AC3E}">
+        <p14:creationId xmlns:p14="http://schemas.microsoft.com/office/powerpoint/2010/main" val="2716002211"/>
+      </p:ext>
+    </p:extLst>
+  </p:cSld>
+  <p:clrMapOvr>
+    <a:masterClrMapping/>
+  </p:clrMapOvr>
+</p:sld>
+</file>
+
+<file path=ppt/slides/slide6.xml><?xml version="1.0" encoding="utf-8"?>
+<p:sld xmlns:a="http://schemas.openxmlformats.org/drawingml/2006/main" xmlns:r="http://schemas.openxmlformats.org/officeDocument/2006/relationships" xmlns:p="http://schemas.openxmlformats.org/presentationml/2006/main">
+  <p:cSld>
+    <p:spTree>
+      <p:nvGrpSpPr>
+        <p:cNvPr id="1" name=""/>
+        <p:cNvGrpSpPr/>
+        <p:nvPr/>
+      </p:nvGrpSpPr>
+      <p:grpSpPr>
+        <a:xfrm>
+          <a:off x="0" y="0"/>
+          <a:ext cx="0" cy="0"/>
+          <a:chOff x="0" y="0"/>
+          <a:chExt cx="0" cy="0"/>
+        </a:xfrm>
+      </p:grpSpPr>
+      <p:sp>
+        <p:nvSpPr>
+          <p:cNvPr id="2" name="Заголовок 1">
+            <a:extLst>
+              <a:ext uri="{FF2B5EF4-FFF2-40B4-BE49-F238E27FC236}">
+                <a16:creationId xmlns:a16="http://schemas.microsoft.com/office/drawing/2014/main" id="{0446A265-D9CD-3943-BD8C-61C240ACB691}"/>
+              </a:ext>
+            </a:extLst>
+          </p:cNvPr>
+          <p:cNvSpPr>
+            <a:spLocks noGrp="1"/>
+          </p:cNvSpPr>
+          <p:nvPr>
+            <p:ph type="title"/>
+          </p:nvPr>
+        </p:nvSpPr>
+        <p:spPr/>
+        <p:txBody>
+          <a:bodyPr/>
+          <a:lstStyle/>
+          <a:p>
+            <a:endParaRPr lang="ru-RU" dirty="0"/>
+          </a:p>
+        </p:txBody>
+      </p:sp>
+      <p:sp>
+        <p:nvSpPr>
+          <p:cNvPr id="3" name="Объект 2">
+            <a:extLst>
+              <a:ext uri="{FF2B5EF4-FFF2-40B4-BE49-F238E27FC236}">
+                <a16:creationId xmlns:a16="http://schemas.microsoft.com/office/drawing/2014/main" id="{10777EE9-79EE-BF41-29C3-7A03ADB86135}"/>
+              </a:ext>
+            </a:extLst>
+          </p:cNvPr>
+          <p:cNvSpPr>
+            <a:spLocks noGrp="1"/>
+          </p:cNvSpPr>
+          <p:nvPr>
+            <p:ph idx="1"/>
+          </p:nvPr>
+        </p:nvSpPr>
+        <p:spPr/>
+        <p:txBody>
+          <a:bodyPr/>
+          <a:lstStyle/>
+          <a:p>
+            <a:r>
+              <a:rPr lang="ru-RU" dirty="0"/>
+              <a:t>Спасибо за внимание</a:t>
+            </a:r>
+          </a:p>
+        </p:txBody>
+      </p:sp>
+    </p:spTree>
+    <p:extLst>
+      <p:ext uri="{BB962C8B-B14F-4D97-AF65-F5344CB8AC3E}">
+        <p14:creationId xmlns:p14="http://schemas.microsoft.com/office/powerpoint/2010/main" val="2934360206"/>
       </p:ext>
     </p:extLst>
   </p:cSld>
@@ -3554,9 +4447,9 @@
 </file>
 
 <file path=ppt/theme/theme1.xml><?xml version="1.0" encoding="utf-8"?>
-<a:theme xmlns:a="http://schemas.openxmlformats.org/drawingml/2006/main" name="Office Theme">
+<a:theme xmlns:a="http://schemas.openxmlformats.org/drawingml/2006/main" name="Тема Office">
   <a:themeElements>
-    <a:clrScheme name="Office">
+    <a:clrScheme name="Стандартная">
       <a:dk1>
         <a:sysClr val="windowText" lastClr="000000"/>
       </a:dk1>
@@ -3564,39 +4457,39 @@
         <a:sysClr val="window" lastClr="FFFFFF"/>
       </a:lt1>
       <a:dk2>
-        <a:srgbClr val="44546A"/>
+        <a:srgbClr val="0E2841"/>
       </a:dk2>
       <a:lt2>
-        <a:srgbClr val="E7E6E6"/>
+        <a:srgbClr val="E8E8E8"/>
       </a:lt2>
       <a:accent1>
-        <a:srgbClr val="4472C4"/>
+        <a:srgbClr val="156082"/>
       </a:accent1>
       <a:accent2>
-        <a:srgbClr val="ED7D31"/>
+        <a:srgbClr val="E97132"/>
       </a:accent2>
       <a:accent3>
-        <a:srgbClr val="A5A5A5"/>
+        <a:srgbClr val="196B24"/>
       </a:accent3>
       <a:accent4>
-        <a:srgbClr val="FFC000"/>
+        <a:srgbClr val="0F9ED5"/>
       </a:accent4>
       <a:accent5>
-        <a:srgbClr val="5B9BD5"/>
+        <a:srgbClr val="A02B93"/>
       </a:accent5>
       <a:accent6>
-        <a:srgbClr val="70AD47"/>
+        <a:srgbClr val="4EA72E"/>
       </a:accent6>
       <a:hlink>
-        <a:srgbClr val="0563C1"/>
+        <a:srgbClr val="467886"/>
       </a:hlink>
       <a:folHlink>
-        <a:srgbClr val="954F72"/>
+        <a:srgbClr val="96607D"/>
       </a:folHlink>
     </a:clrScheme>
-    <a:fontScheme name="Office">
+    <a:fontScheme name="Стандартная">
       <a:majorFont>
-        <a:latin typeface="Calibri Light" panose="020F0302020204030204"/>
+        <a:latin typeface="Aptos Display" panose="02110004020202020204"/>
         <a:ea typeface=""/>
         <a:cs typeface=""/>
         <a:font script="Jpan" typeface="游ゴシック Light"/>
@@ -3648,7 +4541,7 @@
         <a:font script="Tfng" typeface="Ebrima"/>
       </a:majorFont>
       <a:minorFont>
-        <a:latin typeface="Calibri" panose="020F0502020204030204"/>
+        <a:latin typeface="Aptos" panose="02110004020202020204"/>
         <a:ea typeface=""/>
         <a:cs typeface=""/>
         <a:font script="Jpan" typeface="游ゴシック"/>
@@ -3700,7 +4593,7 @@
         <a:font script="Tfng" typeface="Ebrima"/>
       </a:minorFont>
     </a:fontScheme>
-    <a:fmtScheme name="Office">
+    <a:fmtScheme name="Стандартная">
       <a:fillStyleLst>
         <a:solidFill>
           <a:schemeClr val="phClr"/>
@@ -3759,13 +4652,6 @@
         </a:gradFill>
       </a:fillStyleLst>
       <a:lnStyleLst>
-        <a:ln w="6350" cap="flat" cmpd="sng" algn="ctr">
-          <a:solidFill>
-            <a:schemeClr val="phClr"/>
-          </a:solidFill>
-          <a:prstDash val="solid"/>
-          <a:miter lim="800000"/>
-        </a:ln>
         <a:ln w="12700" cap="flat" cmpd="sng" algn="ctr">
           <a:solidFill>
             <a:schemeClr val="phClr"/>
@@ -3774,6 +4660,13 @@
           <a:miter lim="800000"/>
         </a:ln>
         <a:ln w="19050" cap="flat" cmpd="sng" algn="ctr">
+          <a:solidFill>
+            <a:schemeClr val="phClr"/>
+          </a:solidFill>
+          <a:prstDash val="solid"/>
+          <a:miter lim="800000"/>
+        </a:ln>
+        <a:ln w="25400" cap="flat" cmpd="sng" algn="ctr">
           <a:solidFill>
             <a:schemeClr val="phClr"/>
           </a:solidFill>
@@ -3838,11 +4731,31 @@
       </a:bgFillStyleLst>
     </a:fmtScheme>
   </a:themeElements>
-  <a:objectDefaults/>
+  <a:objectDefaults>
+    <a:lnDef>
+      <a:spPr/>
+      <a:bodyPr/>
+      <a:lstStyle/>
+      <a:style>
+        <a:lnRef idx="2">
+          <a:schemeClr val="accent1"/>
+        </a:lnRef>
+        <a:fillRef idx="0">
+          <a:schemeClr val="accent1"/>
+        </a:fillRef>
+        <a:effectRef idx="1">
+          <a:schemeClr val="accent1"/>
+        </a:effectRef>
+        <a:fontRef idx="minor">
+          <a:schemeClr val="tx1"/>
+        </a:fontRef>
+      </a:style>
+    </a:lnDef>
+  </a:objectDefaults>
   <a:extraClrSchemeLst/>
   <a:extLst>
     <a:ext uri="{05A4C25C-085E-4340-85A3-A5531E510DB2}">
-      <thm15:themeFamily xmlns:thm15="http://schemas.microsoft.com/office/thememl/2012/main" name="Office Theme" id="{62F939B6-93AF-4DB8-9C6B-D6C7DFDC589F}" vid="{4A3C46E8-61CC-4603-A589-7422A47A8E4A}"/>
+      <thm15:themeFamily xmlns:thm15="http://schemas.microsoft.com/office/thememl/2012/main" name="Office Theme" id="{2E142A2C-CD16-42D6-873A-C26D2A0506FA}" vid="{1BDDFF52-6CD6-40A5-AB3C-68EB2F1E4D0A}"/>
     </a:ext>
   </a:extLst>
 </a:theme>
